--- a/OI-related/speech/一些因缺思汀的小实验.pptx
+++ b/OI-related/speech/一些因缺思汀的小实验.pptx
@@ -5,7 +5,7 @@
     <p:sldMasterId id="2147483660" r:id="rId2"/>
   </p:sldMasterIdLst>
   <p:notesMasterIdLst>
-    <p:notesMasterId r:id="rId19"/>
+    <p:notesMasterId r:id="rId20"/>
   </p:notesMasterIdLst>
   <p:sldIdLst>
     <p:sldId id="256" r:id="rId3"/>
@@ -23,7 +23,8 @@
     <p:sldId id="268" r:id="rId15"/>
     <p:sldId id="269" r:id="rId16"/>
     <p:sldId id="270" r:id="rId17"/>
-    <p:sldId id="271" r:id="rId18"/>
+    <p:sldId id="272" r:id="rId18"/>
+    <p:sldId id="271" r:id="rId19"/>
   </p:sldIdLst>
   <p:sldSz cx="12192000" cy="6858000"/>
   <p:notesSz cx="6858000" cy="9144000"/>
@@ -4774,14 +4775,7 @@
                 <a:latin typeface="Microsoft YaHei UI" panose="020B0503020204020204" pitchFamily="34" charset="-122"/>
                 <a:ea typeface="Microsoft YaHei UI" panose="020B0503020204020204" pitchFamily="34" charset="-122"/>
               </a:rPr>
-              <a:t>不同代码实现方式效率上的</a:t>
-            </a:r>
-            <a:r>
-              <a:rPr lang="zh-CN" altLang="en-US" sz="4500" dirty="0" smtClean="0">
-                <a:latin typeface="Microsoft YaHei UI" panose="020B0503020204020204" pitchFamily="34" charset="-122"/>
-                <a:ea typeface="Microsoft YaHei UI" panose="020B0503020204020204" pitchFamily="34" charset="-122"/>
-              </a:rPr>
-              <a:t>差异</a:t>
+              <a:t>不同代码实现方式效率上的差异</a:t>
             </a:r>
             <a:endParaRPr lang="en-US" altLang="zh-CN" sz="4500" dirty="0" smtClean="0">
               <a:latin typeface="Microsoft YaHei UI" panose="020B0503020204020204" pitchFamily="34" charset="-122"/>
@@ -9582,6 +9576,1061 @@
 </file>
 
 <file path=ppt/slides/slide16.xml><?xml version="1.0" encoding="utf-8"?>
+<p:sld xmlns:a="http://schemas.openxmlformats.org/drawingml/2006/main" xmlns:r="http://schemas.openxmlformats.org/officeDocument/2006/relationships" xmlns:p="http://schemas.openxmlformats.org/presentationml/2006/main">
+  <p:cSld>
+    <p:spTree>
+      <p:nvGrpSpPr>
+        <p:cNvPr id="1" name=""/>
+        <p:cNvGrpSpPr/>
+        <p:nvPr/>
+      </p:nvGrpSpPr>
+      <p:grpSpPr>
+        <a:xfrm>
+          <a:off x="0" y="0"/>
+          <a:ext cx="0" cy="0"/>
+          <a:chOff x="0" y="0"/>
+          <a:chExt cx="0" cy="0"/>
+        </a:xfrm>
+      </p:grpSpPr>
+      <p:sp>
+        <p:nvSpPr>
+          <p:cNvPr id="2" name="标题 1"/>
+          <p:cNvSpPr>
+            <a:spLocks noGrp="1"/>
+          </p:cNvSpPr>
+          <p:nvPr>
+            <p:ph type="title"/>
+          </p:nvPr>
+        </p:nvSpPr>
+        <p:spPr>
+          <a:xfrm>
+            <a:off x="510746" y="0"/>
+            <a:ext cx="11681254" cy="1208868"/>
+          </a:xfrm>
+        </p:spPr>
+        <p:txBody>
+          <a:bodyPr/>
+          <a:lstStyle/>
+          <a:p>
+            <a:r>
+              <a:rPr lang="en-US" altLang="zh-CN" dirty="0" smtClean="0"/>
+              <a:t>TEST7 Linux</a:t>
+            </a:r>
+            <a:r>
+              <a:rPr lang="zh-CN" altLang="en-US" dirty="0" smtClean="0"/>
+              <a:t>下的对拍</a:t>
+            </a:r>
+            <a:r>
+              <a:rPr lang="zh-CN" altLang="en-US" sz="1600" dirty="0" smtClean="0"/>
+              <a:t>随手写的并不因缺思汀的话题</a:t>
+            </a:r>
+            <a:endParaRPr lang="zh-CN" altLang="en-US" dirty="0"/>
+          </a:p>
+        </p:txBody>
+      </p:sp>
+      <p:sp>
+        <p:nvSpPr>
+          <p:cNvPr id="3" name="内容占位符 2"/>
+          <p:cNvSpPr>
+            <a:spLocks noGrp="1"/>
+          </p:cNvSpPr>
+          <p:nvPr>
+            <p:ph idx="1"/>
+          </p:nvPr>
+        </p:nvSpPr>
+        <p:spPr>
+          <a:xfrm>
+            <a:off x="838197" y="1869989"/>
+            <a:ext cx="5982733" cy="4618774"/>
+          </a:xfrm>
+        </p:spPr>
+        <p:txBody>
+          <a:bodyPr>
+            <a:normAutofit/>
+          </a:bodyPr>
+          <a:lstStyle/>
+          <a:p>
+            <a:pPr>
+              <a:lnSpc>
+                <a:spcPct val="100000"/>
+              </a:lnSpc>
+            </a:pPr>
+            <a:r>
+              <a:rPr lang="zh-CN" altLang="en-US" dirty="0" smtClean="0"/>
+              <a:t>首先你需要先造输入数据、</a:t>
+            </a:r>
+            <a:endParaRPr lang="en-US" altLang="zh-CN" dirty="0" smtClean="0"/>
+          </a:p>
+          <a:p>
+            <a:pPr>
+              <a:lnSpc>
+                <a:spcPct val="100000"/>
+              </a:lnSpc>
+            </a:pPr>
+            <a:r>
+              <a:rPr lang="zh-CN" altLang="en-US" dirty="0" smtClean="0"/>
+              <a:t>正常写</a:t>
+            </a:r>
+            <a:endParaRPr lang="en-US" altLang="zh-CN" dirty="0" smtClean="0"/>
+          </a:p>
+          <a:p>
+            <a:pPr>
+              <a:lnSpc>
+                <a:spcPct val="100000"/>
+              </a:lnSpc>
+            </a:pPr>
+            <a:r>
+              <a:rPr lang="zh-CN" altLang="en-US" dirty="0" smtClean="0"/>
+              <a:t>然后你需要暴力出结果</a:t>
+            </a:r>
+            <a:endParaRPr lang="en-US" altLang="zh-CN" dirty="0" smtClean="0"/>
+          </a:p>
+          <a:p>
+            <a:pPr>
+              <a:lnSpc>
+                <a:spcPct val="100000"/>
+              </a:lnSpc>
+            </a:pPr>
+            <a:r>
+              <a:rPr lang="zh-CN" altLang="en-US" dirty="0"/>
+              <a:t>正常</a:t>
+            </a:r>
+            <a:r>
+              <a:rPr lang="zh-CN" altLang="en-US" dirty="0" smtClean="0"/>
+              <a:t>写</a:t>
+            </a:r>
+            <a:endParaRPr lang="en-US" altLang="zh-CN" dirty="0" smtClean="0"/>
+          </a:p>
+          <a:p>
+            <a:pPr>
+              <a:lnSpc>
+                <a:spcPct val="100000"/>
+              </a:lnSpc>
+            </a:pPr>
+            <a:r>
+              <a:rPr lang="zh-CN" altLang="en-US" dirty="0" smtClean="0"/>
+              <a:t>标准流重定向大家都会用吧 </a:t>
+            </a:r>
+            <a:r>
+              <a:rPr lang="en-US" altLang="zh-CN" dirty="0" smtClean="0"/>
+              <a:t>&lt; &gt;</a:t>
+            </a:r>
+          </a:p>
+          <a:p>
+            <a:pPr>
+              <a:lnSpc>
+                <a:spcPct val="100000"/>
+              </a:lnSpc>
+            </a:pPr>
+            <a:r>
+              <a:rPr lang="zh-CN" altLang="en-US" dirty="0" smtClean="0"/>
+              <a:t>数据造好之后</a:t>
+            </a:r>
+            <a:endParaRPr lang="en-US" altLang="zh-CN" dirty="0" smtClean="0"/>
+          </a:p>
+          <a:p>
+            <a:pPr>
+              <a:lnSpc>
+                <a:spcPct val="100000"/>
+              </a:lnSpc>
+              <a:spcAft>
+                <a:spcPts val="0"/>
+              </a:spcAft>
+            </a:pPr>
+            <a:r>
+              <a:rPr lang="en-US" altLang="zh-CN" dirty="0" smtClean="0"/>
+              <a:t>import </a:t>
+            </a:r>
+            <a:r>
+              <a:rPr lang="en-US" altLang="zh-CN" dirty="0" err="1" smtClean="0"/>
+              <a:t>os</a:t>
+            </a:r>
+            <a:endParaRPr lang="en-US" altLang="zh-CN" dirty="0" smtClean="0"/>
+          </a:p>
+          <a:p>
+            <a:pPr>
+              <a:lnSpc>
+                <a:spcPct val="100000"/>
+              </a:lnSpc>
+              <a:spcAft>
+                <a:spcPts val="0"/>
+              </a:spcAft>
+            </a:pPr>
+            <a:r>
+              <a:rPr lang="en-US" altLang="zh-CN" dirty="0" smtClean="0"/>
+              <a:t>for </a:t>
+            </a:r>
+            <a:r>
+              <a:rPr lang="en-US" altLang="zh-CN" dirty="0" err="1" smtClean="0"/>
+              <a:t>i</a:t>
+            </a:r>
+            <a:r>
+              <a:rPr lang="en-US" altLang="zh-CN" dirty="0" smtClean="0"/>
+              <a:t> in </a:t>
+            </a:r>
+            <a:r>
+              <a:rPr lang="en-US" altLang="zh-CN" dirty="0" err="1" smtClean="0"/>
+              <a:t>xrange</a:t>
+            </a:r>
+            <a:r>
+              <a:rPr lang="en-US" altLang="zh-CN" dirty="0" smtClean="0"/>
+              <a:t>(1, 10 + 1):</a:t>
+            </a:r>
+          </a:p>
+          <a:p>
+            <a:pPr>
+              <a:lnSpc>
+                <a:spcPct val="100000"/>
+              </a:lnSpc>
+              <a:spcAft>
+                <a:spcPts val="0"/>
+              </a:spcAft>
+            </a:pPr>
+            <a:r>
+              <a:rPr lang="en-US" altLang="zh-CN" dirty="0" smtClean="0"/>
+              <a:t>    </a:t>
+            </a:r>
+            <a:r>
+              <a:rPr lang="en-US" altLang="zh-CN" dirty="0" err="1" smtClean="0"/>
+              <a:t>os.system</a:t>
+            </a:r>
+            <a:r>
+              <a:rPr lang="en-US" altLang="zh-CN" dirty="0" smtClean="0"/>
+              <a:t>(‘diff –Bb asd%d.in </a:t>
+            </a:r>
+            <a:r>
+              <a:rPr lang="en-US" altLang="zh-CN" dirty="0" err="1" smtClean="0"/>
+              <a:t>asd%d.out</a:t>
+            </a:r>
+            <a:r>
+              <a:rPr lang="en-US" altLang="zh-CN" dirty="0" smtClean="0"/>
+              <a:t> &gt; result%d.txt’)</a:t>
+            </a:r>
+          </a:p>
+          <a:p>
+            <a:pPr>
+              <a:lnSpc>
+                <a:spcPct val="100000"/>
+              </a:lnSpc>
+            </a:pPr>
+            <a:r>
+              <a:rPr lang="zh-CN" altLang="en-US" dirty="0" smtClean="0"/>
+              <a:t>恩，反正我觉得这玩意看起来比</a:t>
+            </a:r>
+            <a:r>
+              <a:rPr lang="en-US" altLang="zh-CN" dirty="0" smtClean="0"/>
+              <a:t>bash script</a:t>
+            </a:r>
+            <a:r>
+              <a:rPr lang="zh-CN" altLang="en-US" dirty="0" smtClean="0"/>
+              <a:t>舒服。</a:t>
+            </a:r>
+            <a:endParaRPr lang="en-US" altLang="zh-CN" dirty="0" smtClean="0"/>
+          </a:p>
+          <a:p>
+            <a:pPr>
+              <a:lnSpc>
+                <a:spcPct val="100000"/>
+              </a:lnSpc>
+            </a:pPr>
+            <a:r>
+              <a:rPr lang="zh-CN" altLang="en-US" dirty="0" smtClean="0"/>
+              <a:t>之后查下</a:t>
+            </a:r>
+            <a:r>
+              <a:rPr lang="en-US" altLang="zh-CN" dirty="0" smtClean="0"/>
+              <a:t>result</a:t>
+            </a:r>
+            <a:r>
+              <a:rPr lang="zh-CN" altLang="en-US" dirty="0" smtClean="0"/>
+              <a:t>就知道对拍结果了</a:t>
+            </a:r>
+            <a:endParaRPr lang="en-US" altLang="zh-CN" dirty="0" smtClean="0"/>
+          </a:p>
+        </p:txBody>
+      </p:sp>
+      <p:sp>
+        <p:nvSpPr>
+          <p:cNvPr id="5" name="文本框 4"/>
+          <p:cNvSpPr txBox="1"/>
+          <p:nvPr/>
+        </p:nvSpPr>
+        <p:spPr>
+          <a:xfrm>
+            <a:off x="6960973" y="1861751"/>
+            <a:ext cx="4456670" cy="923330"/>
+          </a:xfrm>
+          <a:prstGeom prst="rect">
+            <a:avLst/>
+          </a:prstGeom>
+          <a:noFill/>
+        </p:spPr>
+        <p:txBody>
+          <a:bodyPr wrap="square" rtlCol="0">
+            <a:spAutoFit/>
+          </a:bodyPr>
+          <a:lstStyle/>
+          <a:p>
+            <a:r>
+              <a:rPr lang="zh-CN" altLang="en-US" dirty="0" smtClean="0"/>
+              <a:t>其实和</a:t>
+            </a:r>
+            <a:r>
+              <a:rPr lang="en-US" altLang="zh-CN" dirty="0" smtClean="0"/>
+              <a:t>win</a:t>
+            </a:r>
+            <a:r>
+              <a:rPr lang="zh-CN" altLang="en-US" dirty="0" smtClean="0"/>
+              <a:t>下的对拍基本一样、、</a:t>
+            </a:r>
+            <a:endParaRPr lang="en-US" altLang="zh-CN" dirty="0" smtClean="0"/>
+          </a:p>
+          <a:p>
+            <a:r>
+              <a:rPr lang="zh-CN" altLang="en-US" dirty="0" smtClean="0"/>
+              <a:t>只不过不是</a:t>
+            </a:r>
+            <a:r>
+              <a:rPr lang="en-US" altLang="zh-CN" dirty="0" smtClean="0"/>
+              <a:t>batch script</a:t>
+            </a:r>
+            <a:endParaRPr lang="en-US" altLang="zh-CN" dirty="0"/>
+          </a:p>
+          <a:p>
+            <a:r>
+              <a:rPr lang="zh-CN" altLang="en-US" dirty="0" smtClean="0"/>
+              <a:t>比较文件不是用</a:t>
+            </a:r>
+            <a:r>
+              <a:rPr lang="en-US" altLang="zh-CN" dirty="0" smtClean="0"/>
+              <a:t>fc</a:t>
+            </a:r>
+            <a:r>
+              <a:rPr lang="zh-CN" altLang="en-US" dirty="0" smtClean="0"/>
+              <a:t>而已、</a:t>
+            </a:r>
+            <a:endParaRPr lang="en-US" altLang="zh-CN" dirty="0" smtClean="0"/>
+          </a:p>
+        </p:txBody>
+      </p:sp>
+    </p:spTree>
+    <p:extLst>
+      <p:ext uri="{BB962C8B-B14F-4D97-AF65-F5344CB8AC3E}">
+        <p14:creationId xmlns:p14="http://schemas.microsoft.com/office/powerpoint/2010/main" val="4185186485"/>
+      </p:ext>
+    </p:extLst>
+  </p:cSld>
+  <p:clrMapOvr>
+    <a:masterClrMapping/>
+  </p:clrMapOvr>
+  <p:timing>
+    <p:tnLst>
+      <p:par>
+        <p:cTn id="1" dur="indefinite" restart="never" nodeType="tmRoot">
+          <p:childTnLst>
+            <p:seq concurrent="1" nextAc="seek">
+              <p:cTn id="2" dur="indefinite" nodeType="mainSeq">
+                <p:childTnLst>
+                  <p:par>
+                    <p:cTn id="3" fill="hold">
+                      <p:stCondLst>
+                        <p:cond delay="indefinite"/>
+                      </p:stCondLst>
+                      <p:childTnLst>
+                        <p:par>
+                          <p:cTn id="4" fill="hold">
+                            <p:stCondLst>
+                              <p:cond delay="0"/>
+                            </p:stCondLst>
+                            <p:childTnLst>
+                              <p:par>
+                                <p:cTn id="5" presetID="10" presetClass="entr" presetSubtype="0" fill="hold" grpId="0" nodeType="clickEffect">
+                                  <p:stCondLst>
+                                    <p:cond delay="0"/>
+                                  </p:stCondLst>
+                                  <p:childTnLst>
+                                    <p:set>
+                                      <p:cBhvr>
+                                        <p:cTn id="6" dur="1" fill="hold">
+                                          <p:stCondLst>
+                                            <p:cond delay="0"/>
+                                          </p:stCondLst>
+                                        </p:cTn>
+                                        <p:tgtEl>
+                                          <p:spTgt spid="3">
+                                            <p:txEl>
+                                              <p:pRg st="0" end="0"/>
+                                            </p:txEl>
+                                          </p:spTgt>
+                                        </p:tgtEl>
+                                        <p:attrNameLst>
+                                          <p:attrName>style.visibility</p:attrName>
+                                        </p:attrNameLst>
+                                      </p:cBhvr>
+                                      <p:to>
+                                        <p:strVal val="visible"/>
+                                      </p:to>
+                                    </p:set>
+                                    <p:animEffect transition="in" filter="fade">
+                                      <p:cBhvr>
+                                        <p:cTn id="7" dur="500"/>
+                                        <p:tgtEl>
+                                          <p:spTgt spid="3">
+                                            <p:txEl>
+                                              <p:pRg st="0" end="0"/>
+                                            </p:txEl>
+                                          </p:spTgt>
+                                        </p:tgtEl>
+                                      </p:cBhvr>
+                                    </p:animEffect>
+                                  </p:childTnLst>
+                                </p:cTn>
+                              </p:par>
+                            </p:childTnLst>
+                          </p:cTn>
+                        </p:par>
+                      </p:childTnLst>
+                    </p:cTn>
+                  </p:par>
+                  <p:par>
+                    <p:cTn id="8" fill="hold">
+                      <p:stCondLst>
+                        <p:cond delay="indefinite"/>
+                      </p:stCondLst>
+                      <p:childTnLst>
+                        <p:par>
+                          <p:cTn id="9" fill="hold">
+                            <p:stCondLst>
+                              <p:cond delay="0"/>
+                            </p:stCondLst>
+                            <p:childTnLst>
+                              <p:par>
+                                <p:cTn id="10" presetID="10" presetClass="entr" presetSubtype="0" fill="hold" grpId="0" nodeType="clickEffect">
+                                  <p:stCondLst>
+                                    <p:cond delay="0"/>
+                                  </p:stCondLst>
+                                  <p:childTnLst>
+                                    <p:set>
+                                      <p:cBhvr>
+                                        <p:cTn id="11" dur="1" fill="hold">
+                                          <p:stCondLst>
+                                            <p:cond delay="0"/>
+                                          </p:stCondLst>
+                                        </p:cTn>
+                                        <p:tgtEl>
+                                          <p:spTgt spid="3">
+                                            <p:txEl>
+                                              <p:pRg st="1" end="1"/>
+                                            </p:txEl>
+                                          </p:spTgt>
+                                        </p:tgtEl>
+                                        <p:attrNameLst>
+                                          <p:attrName>style.visibility</p:attrName>
+                                        </p:attrNameLst>
+                                      </p:cBhvr>
+                                      <p:to>
+                                        <p:strVal val="visible"/>
+                                      </p:to>
+                                    </p:set>
+                                    <p:animEffect transition="in" filter="fade">
+                                      <p:cBhvr>
+                                        <p:cTn id="12" dur="500"/>
+                                        <p:tgtEl>
+                                          <p:spTgt spid="3">
+                                            <p:txEl>
+                                              <p:pRg st="1" end="1"/>
+                                            </p:txEl>
+                                          </p:spTgt>
+                                        </p:tgtEl>
+                                      </p:cBhvr>
+                                    </p:animEffect>
+                                  </p:childTnLst>
+                                </p:cTn>
+                              </p:par>
+                            </p:childTnLst>
+                          </p:cTn>
+                        </p:par>
+                      </p:childTnLst>
+                    </p:cTn>
+                  </p:par>
+                  <p:par>
+                    <p:cTn id="13" fill="hold">
+                      <p:stCondLst>
+                        <p:cond delay="indefinite"/>
+                      </p:stCondLst>
+                      <p:childTnLst>
+                        <p:par>
+                          <p:cTn id="14" fill="hold">
+                            <p:stCondLst>
+                              <p:cond delay="0"/>
+                            </p:stCondLst>
+                            <p:childTnLst>
+                              <p:par>
+                                <p:cTn id="15" presetID="10" presetClass="entr" presetSubtype="0" fill="hold" grpId="0" nodeType="clickEffect">
+                                  <p:stCondLst>
+                                    <p:cond delay="0"/>
+                                  </p:stCondLst>
+                                  <p:childTnLst>
+                                    <p:set>
+                                      <p:cBhvr>
+                                        <p:cTn id="16" dur="1" fill="hold">
+                                          <p:stCondLst>
+                                            <p:cond delay="0"/>
+                                          </p:stCondLst>
+                                        </p:cTn>
+                                        <p:tgtEl>
+                                          <p:spTgt spid="3">
+                                            <p:txEl>
+                                              <p:pRg st="2" end="2"/>
+                                            </p:txEl>
+                                          </p:spTgt>
+                                        </p:tgtEl>
+                                        <p:attrNameLst>
+                                          <p:attrName>style.visibility</p:attrName>
+                                        </p:attrNameLst>
+                                      </p:cBhvr>
+                                      <p:to>
+                                        <p:strVal val="visible"/>
+                                      </p:to>
+                                    </p:set>
+                                    <p:animEffect transition="in" filter="fade">
+                                      <p:cBhvr>
+                                        <p:cTn id="17" dur="500"/>
+                                        <p:tgtEl>
+                                          <p:spTgt spid="3">
+                                            <p:txEl>
+                                              <p:pRg st="2" end="2"/>
+                                            </p:txEl>
+                                          </p:spTgt>
+                                        </p:tgtEl>
+                                      </p:cBhvr>
+                                    </p:animEffect>
+                                  </p:childTnLst>
+                                </p:cTn>
+                              </p:par>
+                            </p:childTnLst>
+                          </p:cTn>
+                        </p:par>
+                      </p:childTnLst>
+                    </p:cTn>
+                  </p:par>
+                  <p:par>
+                    <p:cTn id="18" fill="hold">
+                      <p:stCondLst>
+                        <p:cond delay="indefinite"/>
+                      </p:stCondLst>
+                      <p:childTnLst>
+                        <p:par>
+                          <p:cTn id="19" fill="hold">
+                            <p:stCondLst>
+                              <p:cond delay="0"/>
+                            </p:stCondLst>
+                            <p:childTnLst>
+                              <p:par>
+                                <p:cTn id="20" presetID="10" presetClass="entr" presetSubtype="0" fill="hold" grpId="0" nodeType="clickEffect">
+                                  <p:stCondLst>
+                                    <p:cond delay="0"/>
+                                  </p:stCondLst>
+                                  <p:childTnLst>
+                                    <p:set>
+                                      <p:cBhvr>
+                                        <p:cTn id="21" dur="1" fill="hold">
+                                          <p:stCondLst>
+                                            <p:cond delay="0"/>
+                                          </p:stCondLst>
+                                        </p:cTn>
+                                        <p:tgtEl>
+                                          <p:spTgt spid="3">
+                                            <p:txEl>
+                                              <p:pRg st="3" end="3"/>
+                                            </p:txEl>
+                                          </p:spTgt>
+                                        </p:tgtEl>
+                                        <p:attrNameLst>
+                                          <p:attrName>style.visibility</p:attrName>
+                                        </p:attrNameLst>
+                                      </p:cBhvr>
+                                      <p:to>
+                                        <p:strVal val="visible"/>
+                                      </p:to>
+                                    </p:set>
+                                    <p:animEffect transition="in" filter="fade">
+                                      <p:cBhvr>
+                                        <p:cTn id="22" dur="500"/>
+                                        <p:tgtEl>
+                                          <p:spTgt spid="3">
+                                            <p:txEl>
+                                              <p:pRg st="3" end="3"/>
+                                            </p:txEl>
+                                          </p:spTgt>
+                                        </p:tgtEl>
+                                      </p:cBhvr>
+                                    </p:animEffect>
+                                  </p:childTnLst>
+                                </p:cTn>
+                              </p:par>
+                            </p:childTnLst>
+                          </p:cTn>
+                        </p:par>
+                      </p:childTnLst>
+                    </p:cTn>
+                  </p:par>
+                  <p:par>
+                    <p:cTn id="23" fill="hold">
+                      <p:stCondLst>
+                        <p:cond delay="indefinite"/>
+                      </p:stCondLst>
+                      <p:childTnLst>
+                        <p:par>
+                          <p:cTn id="24" fill="hold">
+                            <p:stCondLst>
+                              <p:cond delay="0"/>
+                            </p:stCondLst>
+                            <p:childTnLst>
+                              <p:par>
+                                <p:cTn id="25" presetID="10" presetClass="entr" presetSubtype="0" fill="hold" grpId="0" nodeType="clickEffect">
+                                  <p:stCondLst>
+                                    <p:cond delay="0"/>
+                                  </p:stCondLst>
+                                  <p:childTnLst>
+                                    <p:set>
+                                      <p:cBhvr>
+                                        <p:cTn id="26" dur="1" fill="hold">
+                                          <p:stCondLst>
+                                            <p:cond delay="0"/>
+                                          </p:stCondLst>
+                                        </p:cTn>
+                                        <p:tgtEl>
+                                          <p:spTgt spid="3">
+                                            <p:txEl>
+                                              <p:pRg st="4" end="4"/>
+                                            </p:txEl>
+                                          </p:spTgt>
+                                        </p:tgtEl>
+                                        <p:attrNameLst>
+                                          <p:attrName>style.visibility</p:attrName>
+                                        </p:attrNameLst>
+                                      </p:cBhvr>
+                                      <p:to>
+                                        <p:strVal val="visible"/>
+                                      </p:to>
+                                    </p:set>
+                                    <p:animEffect transition="in" filter="fade">
+                                      <p:cBhvr>
+                                        <p:cTn id="27" dur="500"/>
+                                        <p:tgtEl>
+                                          <p:spTgt spid="3">
+                                            <p:txEl>
+                                              <p:pRg st="4" end="4"/>
+                                            </p:txEl>
+                                          </p:spTgt>
+                                        </p:tgtEl>
+                                      </p:cBhvr>
+                                    </p:animEffect>
+                                  </p:childTnLst>
+                                </p:cTn>
+                              </p:par>
+                            </p:childTnLst>
+                          </p:cTn>
+                        </p:par>
+                      </p:childTnLst>
+                    </p:cTn>
+                  </p:par>
+                  <p:par>
+                    <p:cTn id="28" fill="hold">
+                      <p:stCondLst>
+                        <p:cond delay="indefinite"/>
+                      </p:stCondLst>
+                      <p:childTnLst>
+                        <p:par>
+                          <p:cTn id="29" fill="hold">
+                            <p:stCondLst>
+                              <p:cond delay="0"/>
+                            </p:stCondLst>
+                            <p:childTnLst>
+                              <p:par>
+                                <p:cTn id="30" presetID="10" presetClass="entr" presetSubtype="0" fill="hold" grpId="0" nodeType="clickEffect">
+                                  <p:stCondLst>
+                                    <p:cond delay="0"/>
+                                  </p:stCondLst>
+                                  <p:childTnLst>
+                                    <p:set>
+                                      <p:cBhvr>
+                                        <p:cTn id="31" dur="1" fill="hold">
+                                          <p:stCondLst>
+                                            <p:cond delay="0"/>
+                                          </p:stCondLst>
+                                        </p:cTn>
+                                        <p:tgtEl>
+                                          <p:spTgt spid="3">
+                                            <p:txEl>
+                                              <p:pRg st="5" end="5"/>
+                                            </p:txEl>
+                                          </p:spTgt>
+                                        </p:tgtEl>
+                                        <p:attrNameLst>
+                                          <p:attrName>style.visibility</p:attrName>
+                                        </p:attrNameLst>
+                                      </p:cBhvr>
+                                      <p:to>
+                                        <p:strVal val="visible"/>
+                                      </p:to>
+                                    </p:set>
+                                    <p:animEffect transition="in" filter="fade">
+                                      <p:cBhvr>
+                                        <p:cTn id="32" dur="500"/>
+                                        <p:tgtEl>
+                                          <p:spTgt spid="3">
+                                            <p:txEl>
+                                              <p:pRg st="5" end="5"/>
+                                            </p:txEl>
+                                          </p:spTgt>
+                                        </p:tgtEl>
+                                      </p:cBhvr>
+                                    </p:animEffect>
+                                  </p:childTnLst>
+                                </p:cTn>
+                              </p:par>
+                            </p:childTnLst>
+                          </p:cTn>
+                        </p:par>
+                      </p:childTnLst>
+                    </p:cTn>
+                  </p:par>
+                  <p:par>
+                    <p:cTn id="33" fill="hold">
+                      <p:stCondLst>
+                        <p:cond delay="indefinite"/>
+                      </p:stCondLst>
+                      <p:childTnLst>
+                        <p:par>
+                          <p:cTn id="34" fill="hold">
+                            <p:stCondLst>
+                              <p:cond delay="0"/>
+                            </p:stCondLst>
+                            <p:childTnLst>
+                              <p:par>
+                                <p:cTn id="35" presetID="10" presetClass="entr" presetSubtype="0" fill="hold" grpId="0" nodeType="clickEffect">
+                                  <p:stCondLst>
+                                    <p:cond delay="0"/>
+                                  </p:stCondLst>
+                                  <p:childTnLst>
+                                    <p:set>
+                                      <p:cBhvr>
+                                        <p:cTn id="36" dur="1" fill="hold">
+                                          <p:stCondLst>
+                                            <p:cond delay="0"/>
+                                          </p:stCondLst>
+                                        </p:cTn>
+                                        <p:tgtEl>
+                                          <p:spTgt spid="3">
+                                            <p:txEl>
+                                              <p:pRg st="6" end="6"/>
+                                            </p:txEl>
+                                          </p:spTgt>
+                                        </p:tgtEl>
+                                        <p:attrNameLst>
+                                          <p:attrName>style.visibility</p:attrName>
+                                        </p:attrNameLst>
+                                      </p:cBhvr>
+                                      <p:to>
+                                        <p:strVal val="visible"/>
+                                      </p:to>
+                                    </p:set>
+                                    <p:animEffect transition="in" filter="fade">
+                                      <p:cBhvr>
+                                        <p:cTn id="37" dur="500"/>
+                                        <p:tgtEl>
+                                          <p:spTgt spid="3">
+                                            <p:txEl>
+                                              <p:pRg st="6" end="6"/>
+                                            </p:txEl>
+                                          </p:spTgt>
+                                        </p:tgtEl>
+                                      </p:cBhvr>
+                                    </p:animEffect>
+                                  </p:childTnLst>
+                                </p:cTn>
+                              </p:par>
+                            </p:childTnLst>
+                          </p:cTn>
+                        </p:par>
+                      </p:childTnLst>
+                    </p:cTn>
+                  </p:par>
+                  <p:par>
+                    <p:cTn id="38" fill="hold">
+                      <p:stCondLst>
+                        <p:cond delay="indefinite"/>
+                      </p:stCondLst>
+                      <p:childTnLst>
+                        <p:par>
+                          <p:cTn id="39" fill="hold">
+                            <p:stCondLst>
+                              <p:cond delay="0"/>
+                            </p:stCondLst>
+                            <p:childTnLst>
+                              <p:par>
+                                <p:cTn id="40" presetID="10" presetClass="entr" presetSubtype="0" fill="hold" grpId="0" nodeType="clickEffect">
+                                  <p:stCondLst>
+                                    <p:cond delay="0"/>
+                                  </p:stCondLst>
+                                  <p:childTnLst>
+                                    <p:set>
+                                      <p:cBhvr>
+                                        <p:cTn id="41" dur="1" fill="hold">
+                                          <p:stCondLst>
+                                            <p:cond delay="0"/>
+                                          </p:stCondLst>
+                                        </p:cTn>
+                                        <p:tgtEl>
+                                          <p:spTgt spid="3">
+                                            <p:txEl>
+                                              <p:pRg st="7" end="7"/>
+                                            </p:txEl>
+                                          </p:spTgt>
+                                        </p:tgtEl>
+                                        <p:attrNameLst>
+                                          <p:attrName>style.visibility</p:attrName>
+                                        </p:attrNameLst>
+                                      </p:cBhvr>
+                                      <p:to>
+                                        <p:strVal val="visible"/>
+                                      </p:to>
+                                    </p:set>
+                                    <p:animEffect transition="in" filter="fade">
+                                      <p:cBhvr>
+                                        <p:cTn id="42" dur="500"/>
+                                        <p:tgtEl>
+                                          <p:spTgt spid="3">
+                                            <p:txEl>
+                                              <p:pRg st="7" end="7"/>
+                                            </p:txEl>
+                                          </p:spTgt>
+                                        </p:tgtEl>
+                                      </p:cBhvr>
+                                    </p:animEffect>
+                                  </p:childTnLst>
+                                </p:cTn>
+                              </p:par>
+                            </p:childTnLst>
+                          </p:cTn>
+                        </p:par>
+                      </p:childTnLst>
+                    </p:cTn>
+                  </p:par>
+                  <p:par>
+                    <p:cTn id="43" fill="hold">
+                      <p:stCondLst>
+                        <p:cond delay="indefinite"/>
+                      </p:stCondLst>
+                      <p:childTnLst>
+                        <p:par>
+                          <p:cTn id="44" fill="hold">
+                            <p:stCondLst>
+                              <p:cond delay="0"/>
+                            </p:stCondLst>
+                            <p:childTnLst>
+                              <p:par>
+                                <p:cTn id="45" presetID="10" presetClass="entr" presetSubtype="0" fill="hold" grpId="0" nodeType="clickEffect">
+                                  <p:stCondLst>
+                                    <p:cond delay="0"/>
+                                  </p:stCondLst>
+                                  <p:childTnLst>
+                                    <p:set>
+                                      <p:cBhvr>
+                                        <p:cTn id="46" dur="1" fill="hold">
+                                          <p:stCondLst>
+                                            <p:cond delay="0"/>
+                                          </p:stCondLst>
+                                        </p:cTn>
+                                        <p:tgtEl>
+                                          <p:spTgt spid="3">
+                                            <p:txEl>
+                                              <p:pRg st="8" end="8"/>
+                                            </p:txEl>
+                                          </p:spTgt>
+                                        </p:tgtEl>
+                                        <p:attrNameLst>
+                                          <p:attrName>style.visibility</p:attrName>
+                                        </p:attrNameLst>
+                                      </p:cBhvr>
+                                      <p:to>
+                                        <p:strVal val="visible"/>
+                                      </p:to>
+                                    </p:set>
+                                    <p:animEffect transition="in" filter="fade">
+                                      <p:cBhvr>
+                                        <p:cTn id="47" dur="500"/>
+                                        <p:tgtEl>
+                                          <p:spTgt spid="3">
+                                            <p:txEl>
+                                              <p:pRg st="8" end="8"/>
+                                            </p:txEl>
+                                          </p:spTgt>
+                                        </p:tgtEl>
+                                      </p:cBhvr>
+                                    </p:animEffect>
+                                  </p:childTnLst>
+                                </p:cTn>
+                              </p:par>
+                            </p:childTnLst>
+                          </p:cTn>
+                        </p:par>
+                      </p:childTnLst>
+                    </p:cTn>
+                  </p:par>
+                  <p:par>
+                    <p:cTn id="48" fill="hold">
+                      <p:stCondLst>
+                        <p:cond delay="indefinite"/>
+                      </p:stCondLst>
+                      <p:childTnLst>
+                        <p:par>
+                          <p:cTn id="49" fill="hold">
+                            <p:stCondLst>
+                              <p:cond delay="0"/>
+                            </p:stCondLst>
+                            <p:childTnLst>
+                              <p:par>
+                                <p:cTn id="50" presetID="10" presetClass="entr" presetSubtype="0" fill="hold" grpId="0" nodeType="clickEffect">
+                                  <p:stCondLst>
+                                    <p:cond delay="0"/>
+                                  </p:stCondLst>
+                                  <p:childTnLst>
+                                    <p:set>
+                                      <p:cBhvr>
+                                        <p:cTn id="51" dur="1" fill="hold">
+                                          <p:stCondLst>
+                                            <p:cond delay="0"/>
+                                          </p:stCondLst>
+                                        </p:cTn>
+                                        <p:tgtEl>
+                                          <p:spTgt spid="3">
+                                            <p:txEl>
+                                              <p:pRg st="9" end="9"/>
+                                            </p:txEl>
+                                          </p:spTgt>
+                                        </p:tgtEl>
+                                        <p:attrNameLst>
+                                          <p:attrName>style.visibility</p:attrName>
+                                        </p:attrNameLst>
+                                      </p:cBhvr>
+                                      <p:to>
+                                        <p:strVal val="visible"/>
+                                      </p:to>
+                                    </p:set>
+                                    <p:animEffect transition="in" filter="fade">
+                                      <p:cBhvr>
+                                        <p:cTn id="52" dur="500"/>
+                                        <p:tgtEl>
+                                          <p:spTgt spid="3">
+                                            <p:txEl>
+                                              <p:pRg st="9" end="9"/>
+                                            </p:txEl>
+                                          </p:spTgt>
+                                        </p:tgtEl>
+                                      </p:cBhvr>
+                                    </p:animEffect>
+                                  </p:childTnLst>
+                                </p:cTn>
+                              </p:par>
+                            </p:childTnLst>
+                          </p:cTn>
+                        </p:par>
+                      </p:childTnLst>
+                    </p:cTn>
+                  </p:par>
+                  <p:par>
+                    <p:cTn id="53" fill="hold">
+                      <p:stCondLst>
+                        <p:cond delay="indefinite"/>
+                      </p:stCondLst>
+                      <p:childTnLst>
+                        <p:par>
+                          <p:cTn id="54" fill="hold">
+                            <p:stCondLst>
+                              <p:cond delay="0"/>
+                            </p:stCondLst>
+                            <p:childTnLst>
+                              <p:par>
+                                <p:cTn id="55" presetID="10" presetClass="entr" presetSubtype="0" fill="hold" grpId="0" nodeType="clickEffect">
+                                  <p:stCondLst>
+                                    <p:cond delay="0"/>
+                                  </p:stCondLst>
+                                  <p:childTnLst>
+                                    <p:set>
+                                      <p:cBhvr>
+                                        <p:cTn id="56" dur="1" fill="hold">
+                                          <p:stCondLst>
+                                            <p:cond delay="0"/>
+                                          </p:stCondLst>
+                                        </p:cTn>
+                                        <p:tgtEl>
+                                          <p:spTgt spid="3">
+                                            <p:txEl>
+                                              <p:pRg st="10" end="10"/>
+                                            </p:txEl>
+                                          </p:spTgt>
+                                        </p:tgtEl>
+                                        <p:attrNameLst>
+                                          <p:attrName>style.visibility</p:attrName>
+                                        </p:attrNameLst>
+                                      </p:cBhvr>
+                                      <p:to>
+                                        <p:strVal val="visible"/>
+                                      </p:to>
+                                    </p:set>
+                                    <p:animEffect transition="in" filter="fade">
+                                      <p:cBhvr>
+                                        <p:cTn id="57" dur="500"/>
+                                        <p:tgtEl>
+                                          <p:spTgt spid="3">
+                                            <p:txEl>
+                                              <p:pRg st="10" end="10"/>
+                                            </p:txEl>
+                                          </p:spTgt>
+                                        </p:tgtEl>
+                                      </p:cBhvr>
+                                    </p:animEffect>
+                                  </p:childTnLst>
+                                </p:cTn>
+                              </p:par>
+                            </p:childTnLst>
+                          </p:cTn>
+                        </p:par>
+                      </p:childTnLst>
+                    </p:cTn>
+                  </p:par>
+                </p:childTnLst>
+              </p:cTn>
+              <p:prevCondLst>
+                <p:cond evt="onPrev" delay="0">
+                  <p:tgtEl>
+                    <p:sldTgt/>
+                  </p:tgtEl>
+                </p:cond>
+              </p:prevCondLst>
+              <p:nextCondLst>
+                <p:cond evt="onNext" delay="0">
+                  <p:tgtEl>
+                    <p:sldTgt/>
+                  </p:tgtEl>
+                </p:cond>
+              </p:nextCondLst>
+            </p:seq>
+          </p:childTnLst>
+        </p:cTn>
+      </p:par>
+    </p:tnLst>
+    <p:bldLst>
+      <p:bldP spid="3" grpId="0" build="p"/>
+    </p:bldLst>
+  </p:timing>
+</p:sld>
+</file>
+
+<file path=ppt/slides/slide17.xml><?xml version="1.0" encoding="utf-8"?>
 <p:sld xmlns:a="http://schemas.openxmlformats.org/drawingml/2006/main" xmlns:r="http://schemas.openxmlformats.org/officeDocument/2006/relationships" xmlns:p="http://schemas.openxmlformats.org/presentationml/2006/main">
   <p:cSld>
     <p:spTree>

--- a/OI-related/speech/一些因缺思汀的小实验.pptx
+++ b/OI-related/speech/一些因缺思汀的小实验.pptx
@@ -5,7 +5,7 @@
     <p:sldMasterId id="2147483660" r:id="rId2"/>
   </p:sldMasterIdLst>
   <p:notesMasterIdLst>
-    <p:notesMasterId r:id="rId20"/>
+    <p:notesMasterId r:id="rId22"/>
   </p:notesMasterIdLst>
   <p:sldIdLst>
     <p:sldId id="256" r:id="rId3"/>
@@ -21,10 +21,12 @@
     <p:sldId id="266" r:id="rId13"/>
     <p:sldId id="267" r:id="rId14"/>
     <p:sldId id="268" r:id="rId15"/>
-    <p:sldId id="269" r:id="rId16"/>
-    <p:sldId id="270" r:id="rId17"/>
-    <p:sldId id="272" r:id="rId18"/>
-    <p:sldId id="271" r:id="rId19"/>
+    <p:sldId id="273" r:id="rId16"/>
+    <p:sldId id="274" r:id="rId17"/>
+    <p:sldId id="269" r:id="rId18"/>
+    <p:sldId id="270" r:id="rId19"/>
+    <p:sldId id="272" r:id="rId20"/>
+    <p:sldId id="271" r:id="rId21"/>
   </p:sldIdLst>
   <p:sldSz cx="12192000" cy="6858000"/>
   <p:notesSz cx="6858000" cy="9144000"/>
@@ -7761,13 +7763,13 @@
         </p:nvSpPr>
         <p:spPr>
           <a:xfrm>
-            <a:off x="4816643" y="3811649"/>
+            <a:off x="886323" y="3557957"/>
             <a:ext cx="10414685" cy="3015049"/>
           </a:xfrm>
         </p:spPr>
         <p:txBody>
           <a:bodyPr>
-            <a:normAutofit/>
+            <a:normAutofit fontScale="92500" lnSpcReduction="10000"/>
           </a:bodyPr>
           <a:lstStyle/>
           <a:p>
@@ -7778,9 +7780,109 @@
             </a:pPr>
             <a:r>
               <a:rPr lang="zh-CN" altLang="en-US" sz="1800" dirty="0" smtClean="0"/>
-              <a:t>其实是因为我没时间做辣</a:t>
+              <a:t>本例中开销包括读入时间，内存测量保证较精确</a:t>
             </a:r>
             <a:endParaRPr lang="en-US" altLang="zh-CN" sz="1800" dirty="0" smtClean="0"/>
+          </a:p>
+          <a:p>
+            <a:pPr>
+              <a:lnSpc>
+                <a:spcPct val="100000"/>
+              </a:lnSpc>
+            </a:pPr>
+            <a:r>
+              <a:rPr lang="en-US" altLang="zh-CN" sz="1800" dirty="0" err="1" smtClean="0"/>
+              <a:t>RBTree</a:t>
+            </a:r>
+            <a:r>
+              <a:rPr lang="zh-CN" altLang="en-US" sz="1800" dirty="0" smtClean="0"/>
+              <a:t>碾压啊、</a:t>
+            </a:r>
+            <a:endParaRPr lang="en-US" altLang="zh-CN" sz="1800" dirty="0" smtClean="0"/>
+          </a:p>
+          <a:p>
+            <a:pPr>
+              <a:lnSpc>
+                <a:spcPct val="100000"/>
+              </a:lnSpc>
+            </a:pPr>
+            <a:r>
+              <a:rPr lang="zh-CN" altLang="en-US" sz="1800" dirty="0" smtClean="0"/>
+              <a:t>手写的</a:t>
+            </a:r>
+            <a:r>
+              <a:rPr lang="en-US" altLang="zh-CN" sz="1800" dirty="0" err="1" smtClean="0"/>
+              <a:t>spt</a:t>
+            </a:r>
+            <a:r>
+              <a:rPr lang="zh-CN" altLang="en-US" sz="1800" dirty="0" smtClean="0"/>
+              <a:t>因为查询和插入操作类似，所以开销与操作次数近乎成正比</a:t>
+            </a:r>
+            <a:endParaRPr lang="en-US" altLang="zh-CN" sz="1800" dirty="0" smtClean="0"/>
+          </a:p>
+          <a:p>
+            <a:pPr>
+              <a:lnSpc>
+                <a:spcPct val="100000"/>
+              </a:lnSpc>
+            </a:pPr>
+            <a:r>
+              <a:rPr lang="zh-CN" altLang="en-US" sz="1800" dirty="0" smtClean="0"/>
+              <a:t>大概因为我</a:t>
+            </a:r>
+            <a:r>
+              <a:rPr lang="en-US" altLang="zh-CN" sz="1800" dirty="0" err="1" smtClean="0"/>
+              <a:t>spt</a:t>
+            </a:r>
+            <a:r>
+              <a:rPr lang="zh-CN" altLang="en-US" sz="1800" dirty="0" smtClean="0"/>
+              <a:t>写的太丑辣、常数这么大</a:t>
+            </a:r>
+            <a:endParaRPr lang="en-US" altLang="zh-CN" sz="1800" dirty="0" smtClean="0"/>
+          </a:p>
+          <a:p>
+            <a:pPr>
+              <a:lnSpc>
+                <a:spcPct val="100000"/>
+              </a:lnSpc>
+            </a:pPr>
+            <a:r>
+              <a:rPr lang="zh-CN" altLang="en-US" sz="1800" dirty="0" smtClean="0"/>
+              <a:t>不过还是鉴于手写的平衡树</a:t>
+            </a:r>
+            <a:r>
+              <a:rPr lang="en-US" altLang="zh-CN" sz="1800" dirty="0" smtClean="0"/>
+              <a:t>DIY</a:t>
+            </a:r>
+            <a:r>
+              <a:rPr lang="zh-CN" altLang="en-US" sz="1800" dirty="0" smtClean="0"/>
+              <a:t>空间大、能够精确控制内存占用（雾）</a:t>
+            </a:r>
+            <a:r>
+              <a:rPr lang="zh-CN" altLang="en-US" sz="1000" dirty="0" smtClean="0"/>
+              <a:t>内存占用稍小一点？</a:t>
+            </a:r>
+            <a:endParaRPr lang="en-US" altLang="zh-CN" sz="1000" dirty="0" smtClean="0"/>
+          </a:p>
+          <a:p>
+            <a:pPr>
+              <a:lnSpc>
+                <a:spcPct val="100000"/>
+              </a:lnSpc>
+            </a:pPr>
+            <a:endParaRPr lang="en-US" altLang="zh-CN" sz="1000" dirty="0"/>
+          </a:p>
+          <a:p>
+            <a:pPr>
+              <a:lnSpc>
+                <a:spcPct val="100000"/>
+              </a:lnSpc>
+            </a:pPr>
+            <a:r>
+              <a:rPr lang="zh-CN" altLang="en-US" sz="1800" dirty="0" smtClean="0"/>
+              <a:t>这个实验告诉我们：如果你会写些更搞基的平衡树、就不用纠结这些东西了、</a:t>
+            </a:r>
+            <a:endParaRPr lang="zh-CN" altLang="en-US" sz="2000" dirty="0" smtClean="0"/>
           </a:p>
         </p:txBody>
       </p:sp>
@@ -7793,14 +7895,14 @@
           <p:nvPr>
             <p:extLst>
               <p:ext uri="{D42A27DB-BD31-4B8C-83A1-F6EECF244321}">
-                <p14:modId xmlns:p14="http://schemas.microsoft.com/office/powerpoint/2010/main" val="2023004482"/>
+                <p14:modId xmlns:p14="http://schemas.microsoft.com/office/powerpoint/2010/main" val="3104121839"/>
               </p:ext>
             </p:extLst>
           </p:nvPr>
         </p:nvGraphicFramePr>
         <p:xfrm>
-          <a:off x="838197" y="1526973"/>
-          <a:ext cx="9508526" cy="1112520"/>
+          <a:off x="1505450" y="1498097"/>
+          <a:ext cx="8960321" cy="1854200"/>
         </p:xfrm>
         <a:graphic>
           <a:graphicData uri="http://schemas.openxmlformats.org/drawingml/2006/table">
@@ -7809,9 +7911,11 @@
                 <a:tableStyleId>{5C22544A-7EE6-4342-B048-85BDC9FD1C3A}</a:tableStyleId>
               </a:tblPr>
               <a:tblGrid>
-                <a:gridCol w="5102685"/>
-                <a:gridCol w="2055203"/>
-                <a:gridCol w="2350638"/>
+                <a:gridCol w="3461954"/>
+                <a:gridCol w="1202725"/>
+                <a:gridCol w="1475440"/>
+                <a:gridCol w="1357162"/>
+                <a:gridCol w="1463040"/>
               </a:tblGrid>
               <a:tr h="370840">
                 <a:tc>
@@ -7854,6 +7958,42 @@
                       <a:r>
                         <a:rPr lang="en-US" altLang="zh-CN" dirty="0" smtClean="0"/>
                         <a:t>/CLOCK</a:t>
+                      </a:r>
+                      <a:endParaRPr lang="zh-CN" altLang="en-US" dirty="0"/>
+                    </a:p>
+                  </a:txBody>
+                  <a:tcPr/>
+                </a:tc>
+                <a:tc>
+                  <a:txBody>
+                    <a:bodyPr/>
+                    <a:lstStyle/>
+                    <a:p>
+                      <a:r>
+                        <a:rPr lang="en-US" altLang="zh-CN" dirty="0" err="1" smtClean="0"/>
+                        <a:t>VmRSS</a:t>
+                      </a:r>
+                      <a:r>
+                        <a:rPr lang="en-US" altLang="zh-CN" dirty="0" smtClean="0"/>
+                        <a:t>/KB</a:t>
+                      </a:r>
+                      <a:endParaRPr lang="zh-CN" altLang="en-US" dirty="0"/>
+                    </a:p>
+                  </a:txBody>
+                  <a:tcPr/>
+                </a:tc>
+                <a:tc>
+                  <a:txBody>
+                    <a:bodyPr/>
+                    <a:lstStyle/>
+                    <a:p>
+                      <a:r>
+                        <a:rPr lang="en-US" altLang="zh-CN" dirty="0" err="1" smtClean="0"/>
+                        <a:t>VmPeak</a:t>
+                      </a:r>
+                      <a:r>
+                        <a:rPr lang="en-US" altLang="zh-CN" dirty="0" smtClean="0"/>
+                        <a:t>/Kb</a:t>
                       </a:r>
                       <a:endParaRPr lang="zh-CN" altLang="en-US" dirty="0"/>
                     </a:p>
@@ -7868,12 +8008,40 @@
                     <a:lstStyle/>
                     <a:p>
                       <a:r>
+                        <a:rPr lang="en-US" altLang="zh-CN" sz="1600" dirty="0" smtClean="0"/>
+                        <a:t>130</a:t>
+                      </a:r>
+                      <a:r>
                         <a:rPr lang="zh-CN" altLang="en-US" sz="1600" dirty="0" smtClean="0"/>
-                        <a:t>好多好多行手写</a:t>
+                        <a:t>行</a:t>
+                      </a:r>
+                      <a:r>
+                        <a:rPr lang="zh-CN" altLang="en-US" sz="1600" dirty="0" smtClean="0"/>
+                        <a:t>手写</a:t>
                       </a:r>
                       <a:r>
                         <a:rPr lang="en-US" altLang="zh-CN" sz="1600" dirty="0" smtClean="0"/>
-                        <a:t>splay map insert/find</a:t>
+                        <a:t>splay </a:t>
+                      </a:r>
+                      <a:r>
+                        <a:rPr lang="en-US" altLang="zh-CN" sz="1600" dirty="0" smtClean="0"/>
+                        <a:t>map&lt;</a:t>
+                      </a:r>
+                      <a:r>
+                        <a:rPr lang="en-US" altLang="zh-CN" sz="1600" dirty="0" err="1" smtClean="0"/>
+                        <a:t>int</a:t>
+                      </a:r>
+                      <a:r>
+                        <a:rPr lang="en-US" altLang="zh-CN" sz="1600" dirty="0" smtClean="0"/>
+                        <a:t>, </a:t>
+                      </a:r>
+                      <a:r>
+                        <a:rPr lang="en-US" altLang="zh-CN" sz="1600" dirty="0" err="1" smtClean="0"/>
+                        <a:t>int</a:t>
+                      </a:r>
+                      <a:r>
+                        <a:rPr lang="en-US" altLang="zh-CN" sz="1600" dirty="0" smtClean="0"/>
+                        <a:t>&gt; insert</a:t>
                       </a:r>
                       <a:endParaRPr lang="zh-CN" altLang="en-US" sz="1600" dirty="0"/>
                     </a:p>
@@ -7900,10 +8068,45 @@
                     <a:lstStyle/>
                     <a:p>
                       <a:r>
-                        <a:rPr lang="zh-CN" altLang="en-US" dirty="0" smtClean="0"/>
-                        <a:t>很多</a:t>
-                      </a:r>
-                      <a:endParaRPr lang="en-US" altLang="zh-CN" dirty="0" smtClean="0"/>
+                        <a:rPr lang="en-US" altLang="zh-CN" dirty="0" smtClean="0"/>
+                        <a:t>3027259</a:t>
+                      </a:r>
+                    </a:p>
+                  </a:txBody>
+                  <a:tcPr/>
+                </a:tc>
+                <a:tc rowSpan="2">
+                  <a:txBody>
+                    <a:bodyPr/>
+                    <a:lstStyle/>
+                    <a:p>
+                      <a:pPr algn="ctr"/>
+                      <a:endParaRPr lang="en-US" altLang="zh-CN" sz="1100" dirty="0" smtClean="0"/>
+                    </a:p>
+                    <a:p>
+                      <a:pPr algn="ctr"/>
+                      <a:r>
+                        <a:rPr lang="en-US" altLang="zh-CN" dirty="0" smtClean="0"/>
+                        <a:t>40412</a:t>
+                      </a:r>
+                    </a:p>
+                  </a:txBody>
+                  <a:tcPr/>
+                </a:tc>
+                <a:tc rowSpan="2">
+                  <a:txBody>
+                    <a:bodyPr/>
+                    <a:lstStyle/>
+                    <a:p>
+                      <a:pPr algn="ctr"/>
+                      <a:endParaRPr lang="en-US" altLang="zh-CN" sz="1100" dirty="0" smtClean="0"/>
+                    </a:p>
+                    <a:p>
+                      <a:pPr algn="ctr"/>
+                      <a:r>
+                        <a:rPr lang="en-US" altLang="zh-CN" dirty="0" smtClean="0"/>
+                        <a:t>43404</a:t>
+                      </a:r>
                     </a:p>
                   </a:txBody>
                   <a:tcPr/>
@@ -7915,13 +8118,34 @@
                     <a:bodyPr/>
                     <a:lstStyle/>
                     <a:p>
-                      <a:r>
-                        <a:rPr lang="en-US" altLang="zh-CN" sz="1600" dirty="0" err="1" smtClean="0"/>
-                        <a:t>std</a:t>
-                      </a:r>
+                      <a:pPr marL="0" marR="0" indent="0" algn="l" defTabSz="914400" rtl="0" eaLnBrk="1" fontAlgn="auto" latinLnBrk="0" hangingPunct="1">
+                        <a:lnSpc>
+                          <a:spcPct val="100000"/>
+                        </a:lnSpc>
+                        <a:spcBef>
+                          <a:spcPts val="0"/>
+                        </a:spcBef>
+                        <a:spcAft>
+                          <a:spcPts val="0"/>
+                        </a:spcAft>
+                        <a:buClrTx/>
+                        <a:buSzTx/>
+                        <a:buFontTx/>
+                        <a:buNone/>
+                        <a:tabLst/>
+                        <a:defRPr/>
+                      </a:pPr>
                       <a:r>
                         <a:rPr lang="en-US" altLang="zh-CN" sz="1600" dirty="0" smtClean="0"/>
-                        <a:t>::map&lt;</a:t>
+                        <a:t>130</a:t>
+                      </a:r>
+                      <a:r>
+                        <a:rPr lang="zh-CN" altLang="en-US" sz="1600" dirty="0" smtClean="0"/>
+                        <a:t>行手写</a:t>
+                      </a:r>
+                      <a:r>
+                        <a:rPr lang="en-US" altLang="zh-CN" sz="1600" dirty="0" smtClean="0"/>
+                        <a:t>splay map&lt;</a:t>
                       </a:r>
                       <a:r>
                         <a:rPr lang="en-US" altLang="zh-CN" sz="1600" dirty="0" err="1" smtClean="0"/>
@@ -7937,9 +8161,9 @@
                       </a:r>
                       <a:r>
                         <a:rPr lang="en-US" altLang="zh-CN" sz="1600" dirty="0" smtClean="0"/>
-                        <a:t>&gt; insert/find</a:t>
-                      </a:r>
-                      <a:endParaRPr lang="zh-CN" altLang="en-US" sz="1600" dirty="0"/>
+                        <a:t>&gt; query</a:t>
+                      </a:r>
+                      <a:endParaRPr lang="zh-CN" altLang="en-US" sz="1600" dirty="0" smtClean="0"/>
                     </a:p>
                   </a:txBody>
                   <a:tcPr/>
@@ -7968,7 +8192,7 @@
                       </a:pPr>
                       <a:r>
                         <a:rPr lang="en-US" altLang="zh-CN" dirty="0" smtClean="0"/>
-                        <a:t>1,000,000</a:t>
+                        <a:t>333,333</a:t>
                       </a:r>
                       <a:endParaRPr lang="zh-CN" altLang="en-US" dirty="0" smtClean="0"/>
                     </a:p>
@@ -7981,9 +8205,279 @@
                     <a:lstStyle/>
                     <a:p>
                       <a:r>
-                        <a:rPr lang="zh-CN" altLang="en-US" dirty="0" smtClean="0"/>
-                        <a:t>很少</a:t>
-                      </a:r>
+                        <a:rPr lang="en-US" altLang="zh-CN" dirty="0" smtClean="0"/>
+                        <a:t>1167679</a:t>
+                      </a:r>
+                      <a:endParaRPr lang="en-US" altLang="zh-CN" dirty="0" smtClean="0"/>
+                    </a:p>
+                  </a:txBody>
+                  <a:tcPr/>
+                </a:tc>
+                <a:tc vMerge="1">
+                  <a:txBody>
+                    <a:bodyPr/>
+                    <a:lstStyle/>
+                    <a:p>
+                      <a:endParaRPr lang="en-US" altLang="zh-CN" dirty="0" smtClean="0"/>
+                    </a:p>
+                  </a:txBody>
+                  <a:tcPr/>
+                </a:tc>
+                <a:tc vMerge="1">
+                  <a:txBody>
+                    <a:bodyPr/>
+                    <a:lstStyle/>
+                    <a:p>
+                      <a:endParaRPr lang="en-US" altLang="zh-CN" dirty="0" smtClean="0"/>
+                    </a:p>
+                  </a:txBody>
+                  <a:tcPr/>
+                </a:tc>
+              </a:tr>
+              <a:tr h="370840">
+                <a:tc>
+                  <a:txBody>
+                    <a:bodyPr/>
+                    <a:lstStyle/>
+                    <a:p>
+                      <a:pPr marL="0" marR="0" indent="0" algn="l" defTabSz="914400" rtl="0" eaLnBrk="1" fontAlgn="auto" latinLnBrk="0" hangingPunct="1">
+                        <a:lnSpc>
+                          <a:spcPct val="100000"/>
+                        </a:lnSpc>
+                        <a:spcBef>
+                          <a:spcPts val="0"/>
+                        </a:spcBef>
+                        <a:spcAft>
+                          <a:spcPts val="0"/>
+                        </a:spcAft>
+                        <a:buClrTx/>
+                        <a:buSzTx/>
+                        <a:buFontTx/>
+                        <a:buNone/>
+                        <a:tabLst/>
+                        <a:defRPr/>
+                      </a:pPr>
+                      <a:r>
+                        <a:rPr lang="en-US" altLang="zh-CN" sz="1600" dirty="0" err="1" smtClean="0"/>
+                        <a:t>std</a:t>
+                      </a:r>
+                      <a:r>
+                        <a:rPr lang="en-US" altLang="zh-CN" sz="1600" dirty="0" smtClean="0"/>
+                        <a:t>::map&lt;</a:t>
+                      </a:r>
+                      <a:r>
+                        <a:rPr lang="en-US" altLang="zh-CN" sz="1600" dirty="0" err="1" smtClean="0"/>
+                        <a:t>int</a:t>
+                      </a:r>
+                      <a:r>
+                        <a:rPr lang="en-US" altLang="zh-CN" sz="1600" dirty="0" smtClean="0"/>
+                        <a:t>, </a:t>
+                      </a:r>
+                      <a:r>
+                        <a:rPr lang="en-US" altLang="zh-CN" sz="1600" dirty="0" err="1" smtClean="0"/>
+                        <a:t>int</a:t>
+                      </a:r>
+                      <a:r>
+                        <a:rPr lang="en-US" altLang="zh-CN" sz="1600" dirty="0" smtClean="0"/>
+                        <a:t>&gt; insert</a:t>
+                      </a:r>
+                      <a:endParaRPr lang="zh-CN" altLang="en-US" sz="1600" dirty="0" smtClean="0"/>
+                    </a:p>
+                  </a:txBody>
+                  <a:tcPr/>
+                </a:tc>
+                <a:tc>
+                  <a:txBody>
+                    <a:bodyPr/>
+                    <a:lstStyle/>
+                    <a:p>
+                      <a:pPr marL="0" marR="0" indent="0" algn="l" defTabSz="914400" rtl="0" eaLnBrk="1" fontAlgn="auto" latinLnBrk="0" hangingPunct="1">
+                        <a:lnSpc>
+                          <a:spcPct val="100000"/>
+                        </a:lnSpc>
+                        <a:spcBef>
+                          <a:spcPts val="0"/>
+                        </a:spcBef>
+                        <a:spcAft>
+                          <a:spcPts val="0"/>
+                        </a:spcAft>
+                        <a:buClrTx/>
+                        <a:buSzTx/>
+                        <a:buFontTx/>
+                        <a:buNone/>
+                        <a:tabLst/>
+                        <a:defRPr/>
+                      </a:pPr>
+                      <a:r>
+                        <a:rPr lang="en-US" altLang="zh-CN" dirty="0" smtClean="0"/>
+                        <a:t>1,000,000</a:t>
+                      </a:r>
+                      <a:endParaRPr lang="zh-CN" altLang="en-US" dirty="0" smtClean="0"/>
+                    </a:p>
+                  </a:txBody>
+                  <a:tcPr/>
+                </a:tc>
+                <a:tc>
+                  <a:txBody>
+                    <a:bodyPr/>
+                    <a:lstStyle/>
+                    <a:p>
+                      <a:r>
+                        <a:rPr lang="en-US" altLang="zh-CN" dirty="0" smtClean="0"/>
+                        <a:t>2133524</a:t>
+                      </a:r>
+                    </a:p>
+                  </a:txBody>
+                  <a:tcPr/>
+                </a:tc>
+                <a:tc rowSpan="2">
+                  <a:txBody>
+                    <a:bodyPr/>
+                    <a:lstStyle/>
+                    <a:p>
+                      <a:pPr algn="ctr"/>
+                      <a:endParaRPr lang="en-US" altLang="zh-CN" sz="1100" dirty="0" smtClean="0"/>
+                    </a:p>
+                    <a:p>
+                      <a:pPr algn="ctr"/>
+                      <a:r>
+                        <a:rPr lang="en-US" altLang="zh-CN" dirty="0" smtClean="0"/>
+                        <a:t>49228</a:t>
+                      </a:r>
+                    </a:p>
+                  </a:txBody>
+                  <a:tcPr/>
+                </a:tc>
+                <a:tc rowSpan="2">
+                  <a:txBody>
+                    <a:bodyPr/>
+                    <a:lstStyle/>
+                    <a:p>
+                      <a:pPr algn="ctr"/>
+                      <a:endParaRPr lang="en-US" altLang="zh-CN" sz="1100" dirty="0" smtClean="0"/>
+                    </a:p>
+                    <a:p>
+                      <a:pPr algn="ctr"/>
+                      <a:r>
+                        <a:rPr lang="en-US" altLang="zh-CN" dirty="0" smtClean="0"/>
+                        <a:t>59536</a:t>
+                      </a:r>
+                    </a:p>
+                  </a:txBody>
+                  <a:tcPr/>
+                </a:tc>
+              </a:tr>
+              <a:tr h="370840">
+                <a:tc>
+                  <a:txBody>
+                    <a:bodyPr/>
+                    <a:lstStyle/>
+                    <a:p>
+                      <a:pPr marL="0" marR="0" indent="0" algn="l" defTabSz="914400" rtl="0" eaLnBrk="1" fontAlgn="auto" latinLnBrk="0" hangingPunct="1">
+                        <a:lnSpc>
+                          <a:spcPct val="100000"/>
+                        </a:lnSpc>
+                        <a:spcBef>
+                          <a:spcPts val="0"/>
+                        </a:spcBef>
+                        <a:spcAft>
+                          <a:spcPts val="0"/>
+                        </a:spcAft>
+                        <a:buClrTx/>
+                        <a:buSzTx/>
+                        <a:buFontTx/>
+                        <a:buNone/>
+                        <a:tabLst/>
+                        <a:defRPr/>
+                      </a:pPr>
+                      <a:r>
+                        <a:rPr lang="en-US" altLang="zh-CN" sz="1600" dirty="0" err="1" smtClean="0"/>
+                        <a:t>std</a:t>
+                      </a:r>
+                      <a:r>
+                        <a:rPr lang="en-US" altLang="zh-CN" sz="1600" dirty="0" smtClean="0"/>
+                        <a:t>::map&lt;</a:t>
+                      </a:r>
+                      <a:r>
+                        <a:rPr lang="en-US" altLang="zh-CN" sz="1600" dirty="0" err="1" smtClean="0"/>
+                        <a:t>int</a:t>
+                      </a:r>
+                      <a:r>
+                        <a:rPr lang="en-US" altLang="zh-CN" sz="1600" dirty="0" smtClean="0"/>
+                        <a:t>, </a:t>
+                      </a:r>
+                      <a:r>
+                        <a:rPr lang="en-US" altLang="zh-CN" sz="1600" dirty="0" err="1" smtClean="0"/>
+                        <a:t>int</a:t>
+                      </a:r>
+                      <a:r>
+                        <a:rPr lang="en-US" altLang="zh-CN" sz="1600" dirty="0" smtClean="0"/>
+                        <a:t>&gt; find</a:t>
+                      </a:r>
+                      <a:endParaRPr lang="zh-CN" altLang="en-US" sz="1600" dirty="0" smtClean="0"/>
+                    </a:p>
+                  </a:txBody>
+                  <a:tcPr/>
+                </a:tc>
+                <a:tc>
+                  <a:txBody>
+                    <a:bodyPr/>
+                    <a:lstStyle/>
+                    <a:p>
+                      <a:pPr marL="0" marR="0" indent="0" algn="l" defTabSz="914400" rtl="0" eaLnBrk="1" fontAlgn="auto" latinLnBrk="0" hangingPunct="1">
+                        <a:lnSpc>
+                          <a:spcPct val="100000"/>
+                        </a:lnSpc>
+                        <a:spcBef>
+                          <a:spcPts val="0"/>
+                        </a:spcBef>
+                        <a:spcAft>
+                          <a:spcPts val="0"/>
+                        </a:spcAft>
+                        <a:buClrTx/>
+                        <a:buSzTx/>
+                        <a:buFontTx/>
+                        <a:buNone/>
+                        <a:tabLst/>
+                        <a:defRPr/>
+                      </a:pPr>
+                      <a:r>
+                        <a:rPr lang="en-US" altLang="zh-CN" dirty="0" smtClean="0"/>
+                        <a:t>333,333</a:t>
+                      </a:r>
+                      <a:endParaRPr lang="zh-CN" altLang="en-US" dirty="0" smtClean="0"/>
+                    </a:p>
+                  </a:txBody>
+                  <a:tcPr/>
+                </a:tc>
+                <a:tc>
+                  <a:txBody>
+                    <a:bodyPr/>
+                    <a:lstStyle/>
+                    <a:p>
+                      <a:r>
+                        <a:rPr lang="en-US" altLang="zh-CN" dirty="0" smtClean="0"/>
+                        <a:t>616932</a:t>
+                      </a:r>
+                    </a:p>
+                  </a:txBody>
+                  <a:tcPr/>
+                </a:tc>
+                <a:tc vMerge="1">
+                  <a:txBody>
+                    <a:bodyPr/>
+                    <a:lstStyle/>
+                    <a:p>
+                      <a:endParaRPr lang="en-US" altLang="zh-CN" dirty="0" smtClean="0"/>
+                    </a:p>
+                  </a:txBody>
+                  <a:tcPr/>
+                </a:tc>
+                <a:tc vMerge="1">
+                  <a:txBody>
+                    <a:bodyPr/>
+                    <a:lstStyle/>
+                    <a:p>
                       <a:endParaRPr lang="en-US" altLang="zh-CN" dirty="0" smtClean="0"/>
                     </a:p>
                   </a:txBody>
@@ -7994,36 +8488,6 @@
           </a:graphicData>
         </a:graphic>
       </p:graphicFrame>
-      <p:pic>
-        <p:nvPicPr>
-          <p:cNvPr id="5" name="图片 4"/>
-          <p:cNvPicPr>
-            <a:picLocks noChangeAspect="1"/>
-          </p:cNvPicPr>
-          <p:nvPr/>
-        </p:nvPicPr>
-        <p:blipFill>
-          <a:blip r:embed="rId2">
-            <a:extLst>
-              <a:ext uri="{28A0092B-C50C-407E-A947-70E740481C1C}">
-                <a14:useLocalDpi xmlns:a14="http://schemas.microsoft.com/office/drawing/2010/main" val="0"/>
-              </a:ext>
-            </a:extLst>
-          </a:blip>
-          <a:stretch>
-            <a:fillRect/>
-          </a:stretch>
-        </p:blipFill>
-        <p:spPr>
-          <a:xfrm>
-            <a:off x="8016792" y="2639493"/>
-            <a:ext cx="3036220" cy="4187205"/>
-          </a:xfrm>
-          <a:prstGeom prst="rect">
-            <a:avLst/>
-          </a:prstGeom>
-        </p:spPr>
-      </p:pic>
     </p:spTree>
     <p:extLst>
       <p:ext uri="{BB962C8B-B14F-4D97-AF65-F5344CB8AC3E}">
@@ -8192,21 +8656,43 @@
                                   </p:childTnLst>
                                 </p:cTn>
                               </p:par>
+                            </p:childTnLst>
+                          </p:cTn>
+                        </p:par>
+                      </p:childTnLst>
+                    </p:cTn>
+                  </p:par>
+                  <p:par>
+                    <p:cTn id="14" fill="hold">
+                      <p:stCondLst>
+                        <p:cond delay="indefinite"/>
+                      </p:stCondLst>
+                      <p:childTnLst>
+                        <p:par>
+                          <p:cTn id="15" fill="hold">
+                            <p:stCondLst>
+                              <p:cond delay="0"/>
+                            </p:stCondLst>
+                            <p:childTnLst>
                               <p:par>
-                                <p:cTn id="14" presetID="2" presetClass="entr" presetSubtype="4" fill="hold" nodeType="withEffect">
+                                <p:cTn id="16" presetID="2" presetClass="entr" presetSubtype="4" fill="hold" grpId="0" nodeType="clickEffect">
                                   <p:stCondLst>
                                     <p:cond delay="0"/>
                                   </p:stCondLst>
                                   <p:childTnLst>
                                     <p:set>
                                       <p:cBhvr>
-                                        <p:cTn id="15" dur="1" fill="hold">
+                                        <p:cTn id="17" dur="1" fill="hold">
                                           <p:stCondLst>
                                             <p:cond delay="0"/>
                                           </p:stCondLst>
                                         </p:cTn>
                                         <p:tgtEl>
-                                          <p:spTgt spid="5"/>
+                                          <p:spTgt spid="3">
+                                            <p:txEl>
+                                              <p:pRg st="1" end="1"/>
+                                            </p:txEl>
+                                          </p:spTgt>
                                         </p:tgtEl>
                                         <p:attrNameLst>
                                           <p:attrName>style.visibility</p:attrName>
@@ -8218,9 +8704,13 @@
                                     </p:set>
                                     <p:anim calcmode="lin" valueType="num">
                                       <p:cBhvr additive="base">
-                                        <p:cTn id="16" dur="500" fill="hold"/>
+                                        <p:cTn id="18" dur="500" fill="hold"/>
                                         <p:tgtEl>
-                                          <p:spTgt spid="5"/>
+                                          <p:spTgt spid="3">
+                                            <p:txEl>
+                                              <p:pRg st="1" end="1"/>
+                                            </p:txEl>
+                                          </p:spTgt>
                                         </p:tgtEl>
                                         <p:attrNameLst>
                                           <p:attrName>ppt_x</p:attrName>
@@ -8241,9 +8731,425 @@
                                     </p:anim>
                                     <p:anim calcmode="lin" valueType="num">
                                       <p:cBhvr additive="base">
-                                        <p:cTn id="17" dur="500" fill="hold"/>
+                                        <p:cTn id="19" dur="500" fill="hold"/>
                                         <p:tgtEl>
-                                          <p:spTgt spid="5"/>
+                                          <p:spTgt spid="3">
+                                            <p:txEl>
+                                              <p:pRg st="1" end="1"/>
+                                            </p:txEl>
+                                          </p:spTgt>
+                                        </p:tgtEl>
+                                        <p:attrNameLst>
+                                          <p:attrName>ppt_y</p:attrName>
+                                        </p:attrNameLst>
+                                      </p:cBhvr>
+                                      <p:tavLst>
+                                        <p:tav tm="0">
+                                          <p:val>
+                                            <p:strVal val="1+#ppt_h/2"/>
+                                          </p:val>
+                                        </p:tav>
+                                        <p:tav tm="100000">
+                                          <p:val>
+                                            <p:strVal val="#ppt_y"/>
+                                          </p:val>
+                                        </p:tav>
+                                      </p:tavLst>
+                                    </p:anim>
+                                  </p:childTnLst>
+                                </p:cTn>
+                              </p:par>
+                            </p:childTnLst>
+                          </p:cTn>
+                        </p:par>
+                      </p:childTnLst>
+                    </p:cTn>
+                  </p:par>
+                  <p:par>
+                    <p:cTn id="20" fill="hold">
+                      <p:stCondLst>
+                        <p:cond delay="indefinite"/>
+                      </p:stCondLst>
+                      <p:childTnLst>
+                        <p:par>
+                          <p:cTn id="21" fill="hold">
+                            <p:stCondLst>
+                              <p:cond delay="0"/>
+                            </p:stCondLst>
+                            <p:childTnLst>
+                              <p:par>
+                                <p:cTn id="22" presetID="2" presetClass="entr" presetSubtype="4" fill="hold" grpId="0" nodeType="clickEffect">
+                                  <p:stCondLst>
+                                    <p:cond delay="0"/>
+                                  </p:stCondLst>
+                                  <p:childTnLst>
+                                    <p:set>
+                                      <p:cBhvr>
+                                        <p:cTn id="23" dur="1" fill="hold">
+                                          <p:stCondLst>
+                                            <p:cond delay="0"/>
+                                          </p:stCondLst>
+                                        </p:cTn>
+                                        <p:tgtEl>
+                                          <p:spTgt spid="3">
+                                            <p:txEl>
+                                              <p:pRg st="2" end="2"/>
+                                            </p:txEl>
+                                          </p:spTgt>
+                                        </p:tgtEl>
+                                        <p:attrNameLst>
+                                          <p:attrName>style.visibility</p:attrName>
+                                        </p:attrNameLst>
+                                      </p:cBhvr>
+                                      <p:to>
+                                        <p:strVal val="visible"/>
+                                      </p:to>
+                                    </p:set>
+                                    <p:anim calcmode="lin" valueType="num">
+                                      <p:cBhvr additive="base">
+                                        <p:cTn id="24" dur="500" fill="hold"/>
+                                        <p:tgtEl>
+                                          <p:spTgt spid="3">
+                                            <p:txEl>
+                                              <p:pRg st="2" end="2"/>
+                                            </p:txEl>
+                                          </p:spTgt>
+                                        </p:tgtEl>
+                                        <p:attrNameLst>
+                                          <p:attrName>ppt_x</p:attrName>
+                                        </p:attrNameLst>
+                                      </p:cBhvr>
+                                      <p:tavLst>
+                                        <p:tav tm="0">
+                                          <p:val>
+                                            <p:strVal val="#ppt_x"/>
+                                          </p:val>
+                                        </p:tav>
+                                        <p:tav tm="100000">
+                                          <p:val>
+                                            <p:strVal val="#ppt_x"/>
+                                          </p:val>
+                                        </p:tav>
+                                      </p:tavLst>
+                                    </p:anim>
+                                    <p:anim calcmode="lin" valueType="num">
+                                      <p:cBhvr additive="base">
+                                        <p:cTn id="25" dur="500" fill="hold"/>
+                                        <p:tgtEl>
+                                          <p:spTgt spid="3">
+                                            <p:txEl>
+                                              <p:pRg st="2" end="2"/>
+                                            </p:txEl>
+                                          </p:spTgt>
+                                        </p:tgtEl>
+                                        <p:attrNameLst>
+                                          <p:attrName>ppt_y</p:attrName>
+                                        </p:attrNameLst>
+                                      </p:cBhvr>
+                                      <p:tavLst>
+                                        <p:tav tm="0">
+                                          <p:val>
+                                            <p:strVal val="1+#ppt_h/2"/>
+                                          </p:val>
+                                        </p:tav>
+                                        <p:tav tm="100000">
+                                          <p:val>
+                                            <p:strVal val="#ppt_y"/>
+                                          </p:val>
+                                        </p:tav>
+                                      </p:tavLst>
+                                    </p:anim>
+                                  </p:childTnLst>
+                                </p:cTn>
+                              </p:par>
+                            </p:childTnLst>
+                          </p:cTn>
+                        </p:par>
+                      </p:childTnLst>
+                    </p:cTn>
+                  </p:par>
+                  <p:par>
+                    <p:cTn id="26" fill="hold">
+                      <p:stCondLst>
+                        <p:cond delay="indefinite"/>
+                      </p:stCondLst>
+                      <p:childTnLst>
+                        <p:par>
+                          <p:cTn id="27" fill="hold">
+                            <p:stCondLst>
+                              <p:cond delay="0"/>
+                            </p:stCondLst>
+                            <p:childTnLst>
+                              <p:par>
+                                <p:cTn id="28" presetID="2" presetClass="entr" presetSubtype="4" fill="hold" grpId="0" nodeType="clickEffect">
+                                  <p:stCondLst>
+                                    <p:cond delay="0"/>
+                                  </p:stCondLst>
+                                  <p:childTnLst>
+                                    <p:set>
+                                      <p:cBhvr>
+                                        <p:cTn id="29" dur="1" fill="hold">
+                                          <p:stCondLst>
+                                            <p:cond delay="0"/>
+                                          </p:stCondLst>
+                                        </p:cTn>
+                                        <p:tgtEl>
+                                          <p:spTgt spid="3">
+                                            <p:txEl>
+                                              <p:pRg st="3" end="3"/>
+                                            </p:txEl>
+                                          </p:spTgt>
+                                        </p:tgtEl>
+                                        <p:attrNameLst>
+                                          <p:attrName>style.visibility</p:attrName>
+                                        </p:attrNameLst>
+                                      </p:cBhvr>
+                                      <p:to>
+                                        <p:strVal val="visible"/>
+                                      </p:to>
+                                    </p:set>
+                                    <p:anim calcmode="lin" valueType="num">
+                                      <p:cBhvr additive="base">
+                                        <p:cTn id="30" dur="500" fill="hold"/>
+                                        <p:tgtEl>
+                                          <p:spTgt spid="3">
+                                            <p:txEl>
+                                              <p:pRg st="3" end="3"/>
+                                            </p:txEl>
+                                          </p:spTgt>
+                                        </p:tgtEl>
+                                        <p:attrNameLst>
+                                          <p:attrName>ppt_x</p:attrName>
+                                        </p:attrNameLst>
+                                      </p:cBhvr>
+                                      <p:tavLst>
+                                        <p:tav tm="0">
+                                          <p:val>
+                                            <p:strVal val="#ppt_x"/>
+                                          </p:val>
+                                        </p:tav>
+                                        <p:tav tm="100000">
+                                          <p:val>
+                                            <p:strVal val="#ppt_x"/>
+                                          </p:val>
+                                        </p:tav>
+                                      </p:tavLst>
+                                    </p:anim>
+                                    <p:anim calcmode="lin" valueType="num">
+                                      <p:cBhvr additive="base">
+                                        <p:cTn id="31" dur="500" fill="hold"/>
+                                        <p:tgtEl>
+                                          <p:spTgt spid="3">
+                                            <p:txEl>
+                                              <p:pRg st="3" end="3"/>
+                                            </p:txEl>
+                                          </p:spTgt>
+                                        </p:tgtEl>
+                                        <p:attrNameLst>
+                                          <p:attrName>ppt_y</p:attrName>
+                                        </p:attrNameLst>
+                                      </p:cBhvr>
+                                      <p:tavLst>
+                                        <p:tav tm="0">
+                                          <p:val>
+                                            <p:strVal val="1+#ppt_h/2"/>
+                                          </p:val>
+                                        </p:tav>
+                                        <p:tav tm="100000">
+                                          <p:val>
+                                            <p:strVal val="#ppt_y"/>
+                                          </p:val>
+                                        </p:tav>
+                                      </p:tavLst>
+                                    </p:anim>
+                                  </p:childTnLst>
+                                </p:cTn>
+                              </p:par>
+                            </p:childTnLst>
+                          </p:cTn>
+                        </p:par>
+                      </p:childTnLst>
+                    </p:cTn>
+                  </p:par>
+                  <p:par>
+                    <p:cTn id="32" fill="hold">
+                      <p:stCondLst>
+                        <p:cond delay="indefinite"/>
+                      </p:stCondLst>
+                      <p:childTnLst>
+                        <p:par>
+                          <p:cTn id="33" fill="hold">
+                            <p:stCondLst>
+                              <p:cond delay="0"/>
+                            </p:stCondLst>
+                            <p:childTnLst>
+                              <p:par>
+                                <p:cTn id="34" presetID="2" presetClass="entr" presetSubtype="4" fill="hold" grpId="0" nodeType="clickEffect">
+                                  <p:stCondLst>
+                                    <p:cond delay="0"/>
+                                  </p:stCondLst>
+                                  <p:childTnLst>
+                                    <p:set>
+                                      <p:cBhvr>
+                                        <p:cTn id="35" dur="1" fill="hold">
+                                          <p:stCondLst>
+                                            <p:cond delay="0"/>
+                                          </p:stCondLst>
+                                        </p:cTn>
+                                        <p:tgtEl>
+                                          <p:spTgt spid="3">
+                                            <p:txEl>
+                                              <p:pRg st="4" end="4"/>
+                                            </p:txEl>
+                                          </p:spTgt>
+                                        </p:tgtEl>
+                                        <p:attrNameLst>
+                                          <p:attrName>style.visibility</p:attrName>
+                                        </p:attrNameLst>
+                                      </p:cBhvr>
+                                      <p:to>
+                                        <p:strVal val="visible"/>
+                                      </p:to>
+                                    </p:set>
+                                    <p:anim calcmode="lin" valueType="num">
+                                      <p:cBhvr additive="base">
+                                        <p:cTn id="36" dur="500" fill="hold"/>
+                                        <p:tgtEl>
+                                          <p:spTgt spid="3">
+                                            <p:txEl>
+                                              <p:pRg st="4" end="4"/>
+                                            </p:txEl>
+                                          </p:spTgt>
+                                        </p:tgtEl>
+                                        <p:attrNameLst>
+                                          <p:attrName>ppt_x</p:attrName>
+                                        </p:attrNameLst>
+                                      </p:cBhvr>
+                                      <p:tavLst>
+                                        <p:tav tm="0">
+                                          <p:val>
+                                            <p:strVal val="#ppt_x"/>
+                                          </p:val>
+                                        </p:tav>
+                                        <p:tav tm="100000">
+                                          <p:val>
+                                            <p:strVal val="#ppt_x"/>
+                                          </p:val>
+                                        </p:tav>
+                                      </p:tavLst>
+                                    </p:anim>
+                                    <p:anim calcmode="lin" valueType="num">
+                                      <p:cBhvr additive="base">
+                                        <p:cTn id="37" dur="500" fill="hold"/>
+                                        <p:tgtEl>
+                                          <p:spTgt spid="3">
+                                            <p:txEl>
+                                              <p:pRg st="4" end="4"/>
+                                            </p:txEl>
+                                          </p:spTgt>
+                                        </p:tgtEl>
+                                        <p:attrNameLst>
+                                          <p:attrName>ppt_y</p:attrName>
+                                        </p:attrNameLst>
+                                      </p:cBhvr>
+                                      <p:tavLst>
+                                        <p:tav tm="0">
+                                          <p:val>
+                                            <p:strVal val="1+#ppt_h/2"/>
+                                          </p:val>
+                                        </p:tav>
+                                        <p:tav tm="100000">
+                                          <p:val>
+                                            <p:strVal val="#ppt_y"/>
+                                          </p:val>
+                                        </p:tav>
+                                      </p:tavLst>
+                                    </p:anim>
+                                  </p:childTnLst>
+                                </p:cTn>
+                              </p:par>
+                            </p:childTnLst>
+                          </p:cTn>
+                        </p:par>
+                      </p:childTnLst>
+                    </p:cTn>
+                  </p:par>
+                  <p:par>
+                    <p:cTn id="38" fill="hold">
+                      <p:stCondLst>
+                        <p:cond delay="indefinite"/>
+                      </p:stCondLst>
+                      <p:childTnLst>
+                        <p:par>
+                          <p:cTn id="39" fill="hold">
+                            <p:stCondLst>
+                              <p:cond delay="0"/>
+                            </p:stCondLst>
+                            <p:childTnLst>
+                              <p:par>
+                                <p:cTn id="40" presetID="2" presetClass="entr" presetSubtype="4" fill="hold" grpId="0" nodeType="clickEffect">
+                                  <p:stCondLst>
+                                    <p:cond delay="0"/>
+                                  </p:stCondLst>
+                                  <p:childTnLst>
+                                    <p:set>
+                                      <p:cBhvr>
+                                        <p:cTn id="41" dur="1" fill="hold">
+                                          <p:stCondLst>
+                                            <p:cond delay="0"/>
+                                          </p:stCondLst>
+                                        </p:cTn>
+                                        <p:tgtEl>
+                                          <p:spTgt spid="3">
+                                            <p:txEl>
+                                              <p:pRg st="6" end="6"/>
+                                            </p:txEl>
+                                          </p:spTgt>
+                                        </p:tgtEl>
+                                        <p:attrNameLst>
+                                          <p:attrName>style.visibility</p:attrName>
+                                        </p:attrNameLst>
+                                      </p:cBhvr>
+                                      <p:to>
+                                        <p:strVal val="visible"/>
+                                      </p:to>
+                                    </p:set>
+                                    <p:anim calcmode="lin" valueType="num">
+                                      <p:cBhvr additive="base">
+                                        <p:cTn id="42" dur="500" fill="hold"/>
+                                        <p:tgtEl>
+                                          <p:spTgt spid="3">
+                                            <p:txEl>
+                                              <p:pRg st="6" end="6"/>
+                                            </p:txEl>
+                                          </p:spTgt>
+                                        </p:tgtEl>
+                                        <p:attrNameLst>
+                                          <p:attrName>ppt_x</p:attrName>
+                                        </p:attrNameLst>
+                                      </p:cBhvr>
+                                      <p:tavLst>
+                                        <p:tav tm="0">
+                                          <p:val>
+                                            <p:strVal val="#ppt_x"/>
+                                          </p:val>
+                                        </p:tav>
+                                        <p:tav tm="100000">
+                                          <p:val>
+                                            <p:strVal val="#ppt_x"/>
+                                          </p:val>
+                                        </p:tav>
+                                      </p:tavLst>
+                                    </p:anim>
+                                    <p:anim calcmode="lin" valueType="num">
+                                      <p:cBhvr additive="base">
+                                        <p:cTn id="43" dur="500" fill="hold"/>
+                                        <p:tgtEl>
+                                          <p:spTgt spid="3">
+                                            <p:txEl>
+                                              <p:pRg st="6" end="6"/>
+                                            </p:txEl>
+                                          </p:spTgt>
                                         </p:tgtEl>
                                         <p:attrNameLst>
                                           <p:attrName>ppt_y</p:attrName>
@@ -8300,7 +9206,7 @@
 </file>
 
 <file path=ppt/slides/slide14.xml><?xml version="1.0" encoding="utf-8"?>
-<p:sld xmlns:a="http://schemas.openxmlformats.org/drawingml/2006/main" xmlns:r="http://schemas.openxmlformats.org/officeDocument/2006/relationships" xmlns:p="http://schemas.openxmlformats.org/presentationml/2006/main">
+<p:sld xmlns:a="http://schemas.openxmlformats.org/drawingml/2006/main" xmlns:r="http://schemas.openxmlformats.org/officeDocument/2006/relationships" xmlns:p="http://schemas.openxmlformats.org/presentationml/2006/main" show="0">
   <p:cSld>
     <p:spTree>
       <p:nvGrpSpPr>
@@ -8337,37 +9243,14 @@
           <a:lstStyle/>
           <a:p>
             <a:r>
-              <a:rPr lang="en-US" altLang="zh-CN" dirty="0"/>
-              <a:t>TEST6 </a:t>
-            </a:r>
-            <a:r>
-              <a:rPr lang="en-US" altLang="zh-CN" dirty="0" err="1" smtClean="0"/>
-              <a:t>fill_n</a:t>
+              <a:rPr lang="en-US" altLang="zh-CN" dirty="0" smtClean="0"/>
+              <a:t>TEST4 </a:t>
             </a:r>
             <a:r>
               <a:rPr lang="zh-CN" altLang="en-US" dirty="0" smtClean="0"/>
-              <a:t>函数</a:t>
-            </a:r>
-            <a:r>
-              <a:rPr lang="zh-CN" altLang="en-US" dirty="0"/>
-              <a:t>、</a:t>
-            </a:r>
-            <a:r>
-              <a:rPr lang="en-US" altLang="zh-CN" dirty="0" err="1"/>
-              <a:t>memset</a:t>
-            </a:r>
-            <a:r>
-              <a:rPr lang="zh-CN" altLang="en-US" dirty="0"/>
-              <a:t>函数、传统</a:t>
-            </a:r>
-            <a:r>
-              <a:rPr lang="en-US" altLang="zh-CN" dirty="0"/>
-              <a:t>for</a:t>
-            </a:r>
-            <a:r>
-              <a:rPr lang="zh-CN" altLang="en-US" dirty="0"/>
-              <a:t>赋值的对比</a:t>
-            </a:r>
+              <a:t>手写垃圾回收的实现思路</a:t>
+            </a:r>
+            <a:endParaRPr lang="zh-CN" altLang="en-US" dirty="0"/>
           </a:p>
         </p:txBody>
       </p:sp>
@@ -8584,6 +9467,976 @@
           <a:p>
             <a:r>
               <a:rPr lang="zh-CN" altLang="en-US" sz="2000" dirty="0" smtClean="0"/>
+              <a:t>一般什么情况下</a:t>
+            </a:r>
+            <a:endParaRPr lang="en-US" altLang="zh-CN" sz="2000" dirty="0" smtClean="0"/>
+          </a:p>
+        </p:txBody>
+      </p:sp>
+    </p:spTree>
+    <p:extLst>
+      <p:ext uri="{BB962C8B-B14F-4D97-AF65-F5344CB8AC3E}">
+        <p14:creationId xmlns:p14="http://schemas.microsoft.com/office/powerpoint/2010/main" val="3692088653"/>
+      </p:ext>
+    </p:extLst>
+  </p:cSld>
+  <p:clrMapOvr>
+    <a:masterClrMapping/>
+  </p:clrMapOvr>
+  <mc:AlternateContent xmlns:mc="http://schemas.openxmlformats.org/markup-compatibility/2006">
+    <mc:Choice xmlns:p14="http://schemas.microsoft.com/office/powerpoint/2010/main" Requires="p14">
+      <p:transition spd="slow" p14:dur="2000"/>
+    </mc:Choice>
+    <mc:Fallback>
+      <p:transition spd="slow"/>
+    </mc:Fallback>
+  </mc:AlternateContent>
+  <p:timing>
+    <p:tnLst>
+      <p:par>
+        <p:cTn id="1" dur="indefinite" restart="never" nodeType="tmRoot">
+          <p:childTnLst>
+            <p:seq concurrent="1" nextAc="seek">
+              <p:cTn id="2" dur="indefinite" nodeType="mainSeq">
+                <p:childTnLst>
+                  <p:par>
+                    <p:cTn id="3" fill="hold">
+                      <p:stCondLst>
+                        <p:cond delay="indefinite"/>
+                      </p:stCondLst>
+                      <p:childTnLst>
+                        <p:par>
+                          <p:cTn id="4" fill="hold">
+                            <p:stCondLst>
+                              <p:cond delay="0"/>
+                            </p:stCondLst>
+                            <p:childTnLst>
+                              <p:par>
+                                <p:cTn id="5" presetID="10" presetClass="entr" presetSubtype="0" fill="hold" grpId="0" nodeType="clickEffect">
+                                  <p:stCondLst>
+                                    <p:cond delay="0"/>
+                                  </p:stCondLst>
+                                  <p:childTnLst>
+                                    <p:set>
+                                      <p:cBhvr>
+                                        <p:cTn id="6" dur="1" fill="hold">
+                                          <p:stCondLst>
+                                            <p:cond delay="0"/>
+                                          </p:stCondLst>
+                                        </p:cTn>
+                                        <p:tgtEl>
+                                          <p:spTgt spid="6"/>
+                                        </p:tgtEl>
+                                        <p:attrNameLst>
+                                          <p:attrName>style.visibility</p:attrName>
+                                        </p:attrNameLst>
+                                      </p:cBhvr>
+                                      <p:to>
+                                        <p:strVal val="visible"/>
+                                      </p:to>
+                                    </p:set>
+                                    <p:animEffect transition="in" filter="fade">
+                                      <p:cBhvr>
+                                        <p:cTn id="7" dur="500"/>
+                                        <p:tgtEl>
+                                          <p:spTgt spid="6"/>
+                                        </p:tgtEl>
+                                      </p:cBhvr>
+                                    </p:animEffect>
+                                  </p:childTnLst>
+                                </p:cTn>
+                              </p:par>
+                            </p:childTnLst>
+                          </p:cTn>
+                        </p:par>
+                      </p:childTnLst>
+                    </p:cTn>
+                  </p:par>
+                </p:childTnLst>
+              </p:cTn>
+              <p:prevCondLst>
+                <p:cond evt="onPrev" delay="0">
+                  <p:tgtEl>
+                    <p:sldTgt/>
+                  </p:tgtEl>
+                </p:cond>
+              </p:prevCondLst>
+              <p:nextCondLst>
+                <p:cond evt="onNext" delay="0">
+                  <p:tgtEl>
+                    <p:sldTgt/>
+                  </p:tgtEl>
+                </p:cond>
+              </p:nextCondLst>
+            </p:seq>
+          </p:childTnLst>
+        </p:cTn>
+      </p:par>
+    </p:tnLst>
+    <p:bldLst>
+      <p:bldP spid="6" grpId="0"/>
+    </p:bldLst>
+  </p:timing>
+</p:sld>
+</file>
+
+<file path=ppt/slides/slide15.xml><?xml version="1.0" encoding="utf-8"?>
+<p:sld xmlns:a="http://schemas.openxmlformats.org/drawingml/2006/main" xmlns:r="http://schemas.openxmlformats.org/officeDocument/2006/relationships" xmlns:p="http://schemas.openxmlformats.org/presentationml/2006/main" show="0">
+  <p:cSld>
+    <p:spTree>
+      <p:nvGrpSpPr>
+        <p:cNvPr id="1" name=""/>
+        <p:cNvGrpSpPr/>
+        <p:nvPr/>
+      </p:nvGrpSpPr>
+      <p:grpSpPr>
+        <a:xfrm>
+          <a:off x="0" y="0"/>
+          <a:ext cx="0" cy="0"/>
+          <a:chOff x="0" y="0"/>
+          <a:chExt cx="0" cy="0"/>
+        </a:xfrm>
+      </p:grpSpPr>
+      <p:sp>
+        <p:nvSpPr>
+          <p:cNvPr id="2" name="标题 1"/>
+          <p:cNvSpPr>
+            <a:spLocks noGrp="1"/>
+          </p:cNvSpPr>
+          <p:nvPr>
+            <p:ph type="title"/>
+          </p:nvPr>
+        </p:nvSpPr>
+        <p:spPr>
+          <a:xfrm>
+            <a:off x="510746" y="0"/>
+            <a:ext cx="11681254" cy="1208868"/>
+          </a:xfrm>
+        </p:spPr>
+        <p:txBody>
+          <a:bodyPr/>
+          <a:lstStyle/>
+          <a:p>
+            <a:r>
+              <a:rPr lang="en-US" altLang="zh-CN" dirty="0"/>
+              <a:t>TEST5  </a:t>
+            </a:r>
+            <a:r>
+              <a:rPr lang="en-US" altLang="zh-CN" dirty="0" smtClean="0"/>
+              <a:t>STL </a:t>
+            </a:r>
+            <a:r>
+              <a:rPr lang="en-US" altLang="zh-CN" dirty="0"/>
+              <a:t>string</a:t>
+            </a:r>
+            <a:r>
+              <a:rPr lang="zh-CN" altLang="en-US" dirty="0"/>
+              <a:t>和</a:t>
+            </a:r>
+            <a:r>
+              <a:rPr lang="en-US" altLang="zh-CN" dirty="0"/>
+              <a:t>char string</a:t>
+            </a:r>
+            <a:r>
+              <a:rPr lang="zh-CN" altLang="en-US" dirty="0" smtClean="0"/>
+              <a:t>的小细节</a:t>
+            </a:r>
+            <a:endParaRPr lang="zh-CN" altLang="en-US" dirty="0"/>
+          </a:p>
+        </p:txBody>
+      </p:sp>
+      <p:sp>
+        <p:nvSpPr>
+          <p:cNvPr id="6" name="内容占位符 2"/>
+          <p:cNvSpPr txBox="1">
+            <a:spLocks/>
+          </p:cNvSpPr>
+          <p:nvPr/>
+        </p:nvSpPr>
+        <p:spPr>
+          <a:xfrm>
+            <a:off x="607541" y="1639330"/>
+            <a:ext cx="10398210" cy="4703805"/>
+          </a:xfrm>
+          <a:prstGeom prst="rect">
+            <a:avLst/>
+          </a:prstGeom>
+        </p:spPr>
+        <p:txBody>
+          <a:bodyPr vert="horz" lIns="91440" tIns="45720" rIns="91440" bIns="45720" rtlCol="0">
+            <a:noAutofit/>
+          </a:bodyPr>
+          <a:lstStyle>
+            <a:lvl1pPr marL="0" indent="0" algn="l" defTabSz="914400" rtl="0" eaLnBrk="1" latinLnBrk="0" hangingPunct="1">
+              <a:lnSpc>
+                <a:spcPct val="150000"/>
+              </a:lnSpc>
+              <a:spcBef>
+                <a:spcPct val="30000"/>
+              </a:spcBef>
+              <a:spcAft>
+                <a:spcPts val="1200"/>
+              </a:spcAft>
+              <a:buFont typeface="Arial" panose="020B0604020202020204" pitchFamily="34" charset="0"/>
+              <a:buNone/>
+              <a:defRPr lang="zh-CN" sz="1600" kern="1200">
+                <a:solidFill>
+                  <a:schemeClr val="bg1">
+                    <a:lumMod val="50000"/>
+                  </a:schemeClr>
+                </a:solidFill>
+                <a:latin typeface="Microsoft YaHei UI" panose="020B0503020204020204" pitchFamily="34" charset="-122"/>
+                <a:ea typeface="Microsoft YaHei UI" panose="020B0503020204020204" pitchFamily="34" charset="-122"/>
+                <a:cs typeface="+mn-cs"/>
+              </a:defRPr>
+            </a:lvl1pPr>
+            <a:lvl2pPr marL="685800" indent="-228600" algn="l" defTabSz="914400" rtl="0" eaLnBrk="1" latinLnBrk="0" hangingPunct="1">
+              <a:lnSpc>
+                <a:spcPct val="150000"/>
+              </a:lnSpc>
+              <a:spcBef>
+                <a:spcPct val="30000"/>
+              </a:spcBef>
+              <a:spcAft>
+                <a:spcPts val="1200"/>
+              </a:spcAft>
+              <a:buFont typeface="Arial" panose="020B0604020202020204" pitchFamily="34" charset="0"/>
+              <a:buChar char="•"/>
+              <a:defRPr lang="zh-CN" sz="1400" kern="1200">
+                <a:solidFill>
+                  <a:schemeClr val="bg1">
+                    <a:lumMod val="50000"/>
+                  </a:schemeClr>
+                </a:solidFill>
+                <a:latin typeface="Microsoft YaHei UI" panose="020B0503020204020204" pitchFamily="34" charset="-122"/>
+                <a:ea typeface="Microsoft YaHei UI" panose="020B0503020204020204" pitchFamily="34" charset="-122"/>
+                <a:cs typeface="+mn-cs"/>
+              </a:defRPr>
+            </a:lvl2pPr>
+            <a:lvl3pPr marL="1143000" indent="-228600" algn="l" defTabSz="914400" rtl="0" eaLnBrk="1" latinLnBrk="0" hangingPunct="1">
+              <a:lnSpc>
+                <a:spcPct val="150000"/>
+              </a:lnSpc>
+              <a:spcBef>
+                <a:spcPct val="30000"/>
+              </a:spcBef>
+              <a:spcAft>
+                <a:spcPts val="1200"/>
+              </a:spcAft>
+              <a:buFont typeface="Arial" panose="020B0604020202020204" pitchFamily="34" charset="0"/>
+              <a:buChar char="•"/>
+              <a:defRPr lang="zh-CN" sz="1200" kern="1200">
+                <a:solidFill>
+                  <a:schemeClr val="bg1">
+                    <a:lumMod val="50000"/>
+                  </a:schemeClr>
+                </a:solidFill>
+                <a:latin typeface="Microsoft YaHei UI" panose="020B0503020204020204" pitchFamily="34" charset="-122"/>
+                <a:ea typeface="Microsoft YaHei UI" panose="020B0503020204020204" pitchFamily="34" charset="-122"/>
+                <a:cs typeface="+mn-cs"/>
+              </a:defRPr>
+            </a:lvl3pPr>
+            <a:lvl4pPr marL="1600200" indent="-228600" algn="l" defTabSz="914400" rtl="0" eaLnBrk="1" latinLnBrk="0" hangingPunct="1">
+              <a:lnSpc>
+                <a:spcPct val="150000"/>
+              </a:lnSpc>
+              <a:spcBef>
+                <a:spcPct val="30000"/>
+              </a:spcBef>
+              <a:spcAft>
+                <a:spcPts val="1200"/>
+              </a:spcAft>
+              <a:buFont typeface="Arial" panose="020B0604020202020204" pitchFamily="34" charset="0"/>
+              <a:buChar char="•"/>
+              <a:defRPr lang="zh-CN" sz="1100" kern="1200">
+                <a:solidFill>
+                  <a:schemeClr val="bg1">
+                    <a:lumMod val="50000"/>
+                  </a:schemeClr>
+                </a:solidFill>
+                <a:latin typeface="Microsoft YaHei UI" panose="020B0503020204020204" pitchFamily="34" charset="-122"/>
+                <a:ea typeface="Microsoft YaHei UI" panose="020B0503020204020204" pitchFamily="34" charset="-122"/>
+                <a:cs typeface="+mn-cs"/>
+              </a:defRPr>
+            </a:lvl4pPr>
+            <a:lvl5pPr marL="2057400" indent="-228600" algn="l" defTabSz="914400" rtl="0" eaLnBrk="1" latinLnBrk="0" hangingPunct="1">
+              <a:lnSpc>
+                <a:spcPct val="150000"/>
+              </a:lnSpc>
+              <a:spcBef>
+                <a:spcPct val="30000"/>
+              </a:spcBef>
+              <a:spcAft>
+                <a:spcPts val="1200"/>
+              </a:spcAft>
+              <a:buFont typeface="Arial" panose="020B0604020202020204" pitchFamily="34" charset="0"/>
+              <a:buChar char="•"/>
+              <a:defRPr lang="zh-CN" sz="1100" kern="1200">
+                <a:solidFill>
+                  <a:schemeClr val="bg1">
+                    <a:lumMod val="50000"/>
+                  </a:schemeClr>
+                </a:solidFill>
+                <a:latin typeface="Microsoft YaHei UI" panose="020B0503020204020204" pitchFamily="34" charset="-122"/>
+                <a:ea typeface="Microsoft YaHei UI" panose="020B0503020204020204" pitchFamily="34" charset="-122"/>
+                <a:cs typeface="+mn-cs"/>
+              </a:defRPr>
+            </a:lvl5pPr>
+            <a:lvl6pPr marL="2514600" indent="-228600" algn="l" defTabSz="914400" rtl="0" eaLnBrk="1" latinLnBrk="0" hangingPunct="1">
+              <a:lnSpc>
+                <a:spcPct val="90000"/>
+              </a:lnSpc>
+              <a:spcBef>
+                <a:spcPct val="30000"/>
+              </a:spcBef>
+              <a:buFont typeface="Arial" panose="020B0604020202020204" pitchFamily="34" charset="0"/>
+              <a:buChar char="•"/>
+              <a:defRPr lang="zh-CN" sz="1800" kern="1200">
+                <a:solidFill>
+                  <a:schemeClr val="tx1"/>
+                </a:solidFill>
+                <a:latin typeface="+mn-lt"/>
+                <a:ea typeface="+mn-ea"/>
+                <a:cs typeface="+mn-cs"/>
+              </a:defRPr>
+            </a:lvl6pPr>
+            <a:lvl7pPr marL="2971800" indent="-228600" algn="l" defTabSz="914400" rtl="0" eaLnBrk="1" latinLnBrk="0" hangingPunct="1">
+              <a:lnSpc>
+                <a:spcPct val="90000"/>
+              </a:lnSpc>
+              <a:spcBef>
+                <a:spcPct val="30000"/>
+              </a:spcBef>
+              <a:buFont typeface="Arial" panose="020B0604020202020204" pitchFamily="34" charset="0"/>
+              <a:buChar char="•"/>
+              <a:defRPr lang="zh-CN" sz="1800" kern="1200">
+                <a:solidFill>
+                  <a:schemeClr val="tx1"/>
+                </a:solidFill>
+                <a:latin typeface="+mn-lt"/>
+                <a:ea typeface="+mn-ea"/>
+                <a:cs typeface="+mn-cs"/>
+              </a:defRPr>
+            </a:lvl7pPr>
+            <a:lvl8pPr marL="3429000" indent="-228600" algn="l" defTabSz="914400" rtl="0" eaLnBrk="1" latinLnBrk="0" hangingPunct="1">
+              <a:lnSpc>
+                <a:spcPct val="90000"/>
+              </a:lnSpc>
+              <a:spcBef>
+                <a:spcPct val="30000"/>
+              </a:spcBef>
+              <a:buFont typeface="Arial" panose="020B0604020202020204" pitchFamily="34" charset="0"/>
+              <a:buChar char="•"/>
+              <a:defRPr lang="zh-CN" sz="1800" kern="1200">
+                <a:solidFill>
+                  <a:schemeClr val="tx1"/>
+                </a:solidFill>
+                <a:latin typeface="+mn-lt"/>
+                <a:ea typeface="+mn-ea"/>
+                <a:cs typeface="+mn-cs"/>
+              </a:defRPr>
+            </a:lvl8pPr>
+            <a:lvl9pPr marL="3886200" indent="-228600" algn="l" defTabSz="914400" rtl="0" eaLnBrk="1" latinLnBrk="0" hangingPunct="1">
+              <a:lnSpc>
+                <a:spcPct val="90000"/>
+              </a:lnSpc>
+              <a:spcBef>
+                <a:spcPct val="30000"/>
+              </a:spcBef>
+              <a:buFont typeface="Arial" panose="020B0604020202020204" pitchFamily="34" charset="0"/>
+              <a:buChar char="•"/>
+              <a:defRPr lang="zh-CN" sz="1800" kern="1200">
+                <a:solidFill>
+                  <a:schemeClr val="tx1"/>
+                </a:solidFill>
+                <a:latin typeface="+mn-lt"/>
+                <a:ea typeface="+mn-ea"/>
+                <a:cs typeface="+mn-cs"/>
+              </a:defRPr>
+            </a:lvl9pPr>
+          </a:lstStyle>
+          <a:p>
+            <a:r>
+              <a:rPr lang="en-US" altLang="zh-CN" sz="2000" dirty="0" smtClean="0"/>
+              <a:t>1.STL String</a:t>
+            </a:r>
+            <a:r>
+              <a:rPr lang="zh-CN" altLang="en-US" sz="2000" dirty="0" smtClean="0"/>
+              <a:t>的截断并不是以</a:t>
+            </a:r>
+            <a:r>
+              <a:rPr lang="en-US" altLang="zh-CN" sz="2000" dirty="0" smtClean="0"/>
+              <a:t>’\0’</a:t>
+            </a:r>
+            <a:r>
+              <a:rPr lang="zh-CN" altLang="en-US" sz="2000" dirty="0" smtClean="0"/>
+              <a:t>为标志的</a:t>
+            </a:r>
+            <a:endParaRPr lang="en-US" altLang="zh-CN" sz="2000" dirty="0" smtClean="0"/>
+          </a:p>
+          <a:p>
+            <a:r>
+              <a:rPr lang="en-US" altLang="zh-CN" sz="2000" dirty="0" smtClean="0"/>
+              <a:t>2.</a:t>
+            </a:r>
+            <a:r>
+              <a:rPr lang="zh-CN" altLang="en-US" sz="2000" dirty="0" smtClean="0"/>
+              <a:t>进行大量的短字符连续拼接时，请使用</a:t>
+            </a:r>
+            <a:r>
+              <a:rPr lang="en-US" altLang="zh-CN" sz="2000" dirty="0" smtClean="0"/>
+              <a:t>char string</a:t>
+            </a:r>
+            <a:r>
+              <a:rPr lang="zh-CN" altLang="en-US" sz="2000" dirty="0" smtClean="0"/>
+              <a:t>的</a:t>
+            </a:r>
+            <a:r>
+              <a:rPr lang="en-US" altLang="zh-CN" sz="2000" dirty="0" err="1" smtClean="0"/>
+              <a:t>strcat</a:t>
+            </a:r>
+            <a:r>
+              <a:rPr lang="zh-CN" altLang="en-US" sz="2000" dirty="0" smtClean="0"/>
+              <a:t>或者调用</a:t>
+            </a:r>
+            <a:r>
+              <a:rPr lang="en-US" altLang="zh-CN" sz="2000" dirty="0" err="1" smtClean="0"/>
+              <a:t>stl</a:t>
+            </a:r>
+            <a:r>
+              <a:rPr lang="en-US" altLang="zh-CN" sz="2000" dirty="0" smtClean="0"/>
+              <a:t> string</a:t>
+            </a:r>
+            <a:r>
+              <a:rPr lang="zh-CN" altLang="en-US" sz="2000" dirty="0" smtClean="0"/>
+              <a:t>的</a:t>
+            </a:r>
+            <a:r>
+              <a:rPr lang="en-US" altLang="zh-CN" sz="2000" dirty="0" smtClean="0"/>
+              <a:t>reserve</a:t>
+            </a:r>
+            <a:r>
+              <a:rPr lang="zh-CN" altLang="en-US" sz="2000" dirty="0" smtClean="0"/>
+              <a:t>来避免效率下降</a:t>
+            </a:r>
+            <a:endParaRPr lang="en-US" altLang="zh-CN" sz="2000" dirty="0" smtClean="0"/>
+          </a:p>
+          <a:p>
+            <a:r>
+              <a:rPr lang="en-US" altLang="zh-CN" sz="2000" dirty="0" smtClean="0"/>
+              <a:t>3.c_str()</a:t>
+            </a:r>
+            <a:r>
+              <a:rPr lang="zh-CN" altLang="en-US" sz="2000" dirty="0" smtClean="0"/>
+              <a:t>和</a:t>
+            </a:r>
+            <a:r>
+              <a:rPr lang="en-US" altLang="zh-CN" sz="2000" dirty="0" smtClean="0"/>
+              <a:t>data()</a:t>
+            </a:r>
+            <a:r>
+              <a:rPr lang="zh-CN" altLang="en-US" sz="2000" dirty="0" smtClean="0"/>
+              <a:t>中、选择使用</a:t>
+            </a:r>
+            <a:r>
+              <a:rPr lang="en-US" altLang="zh-CN" sz="2000" dirty="0" err="1" smtClean="0"/>
+              <a:t>c_str</a:t>
+            </a:r>
+            <a:r>
+              <a:rPr lang="en-US" altLang="zh-CN" sz="2000" dirty="0" smtClean="0"/>
+              <a:t>()</a:t>
+            </a:r>
+            <a:r>
+              <a:rPr lang="zh-CN" altLang="en-US" sz="2000" dirty="0" smtClean="0"/>
+              <a:t>更保险。根据</a:t>
+            </a:r>
+            <a:r>
+              <a:rPr lang="en-US" altLang="zh-CN" sz="2000" dirty="0" err="1" smtClean="0"/>
+              <a:t>c++</a:t>
+            </a:r>
+            <a:r>
+              <a:rPr lang="zh-CN" altLang="en-US" sz="2000" dirty="0" smtClean="0"/>
+              <a:t>标准，</a:t>
+            </a:r>
+            <a:r>
+              <a:rPr lang="en-US" altLang="zh-CN" sz="2000" dirty="0" err="1" smtClean="0"/>
+              <a:t>c_str</a:t>
+            </a:r>
+            <a:r>
+              <a:rPr lang="en-US" altLang="zh-CN" sz="2000" dirty="0" smtClean="0"/>
+              <a:t>()</a:t>
+            </a:r>
+            <a:r>
+              <a:rPr lang="zh-CN" altLang="en-US" sz="2000" dirty="0" smtClean="0"/>
+              <a:t>一定保证返回的指针指向的</a:t>
+            </a:r>
+            <a:r>
+              <a:rPr lang="en-US" altLang="zh-CN" sz="2000" dirty="0" smtClean="0"/>
+              <a:t>char string</a:t>
+            </a:r>
+            <a:r>
+              <a:rPr lang="zh-CN" altLang="en-US" sz="2000" dirty="0" smtClean="0"/>
+              <a:t>是以</a:t>
+            </a:r>
+            <a:r>
+              <a:rPr lang="en-US" altLang="zh-CN" sz="2000" dirty="0" smtClean="0"/>
+              <a:t>’\0’</a:t>
+            </a:r>
+            <a:r>
+              <a:rPr lang="zh-CN" altLang="en-US" sz="2000" dirty="0" smtClean="0"/>
+              <a:t>结尾的，但</a:t>
+            </a:r>
+            <a:r>
+              <a:rPr lang="en-US" altLang="zh-CN" sz="2000" dirty="0" smtClean="0"/>
+              <a:t>data()</a:t>
+            </a:r>
+            <a:r>
+              <a:rPr lang="zh-CN" altLang="en-US" sz="2000" dirty="0" smtClean="0"/>
+              <a:t>不要求，当然有些编译器实现上二者一样（雾）。在实现不一样的情况下，</a:t>
+            </a:r>
+            <a:r>
+              <a:rPr lang="en-US" altLang="zh-CN" sz="2000" dirty="0" smtClean="0"/>
+              <a:t>data()</a:t>
+            </a:r>
+            <a:r>
+              <a:rPr lang="zh-CN" altLang="en-US" sz="2000" dirty="0" smtClean="0"/>
+              <a:t>的效率比</a:t>
+            </a:r>
+            <a:r>
+              <a:rPr lang="en-US" altLang="zh-CN" sz="2000" dirty="0" err="1" smtClean="0"/>
+              <a:t>c_str</a:t>
+            </a:r>
+            <a:r>
+              <a:rPr lang="en-US" altLang="zh-CN" sz="2000" dirty="0" smtClean="0"/>
+              <a:t>()</a:t>
+            </a:r>
+            <a:r>
+              <a:rPr lang="zh-CN" altLang="en-US" sz="2000" dirty="0" smtClean="0"/>
+              <a:t>高一丢丢</a:t>
+            </a:r>
+            <a:endParaRPr lang="en-US" altLang="zh-CN" sz="2000" dirty="0" smtClean="0"/>
+          </a:p>
+          <a:p>
+            <a:r>
+              <a:rPr lang="en-US" altLang="zh-CN" sz="2000" dirty="0" smtClean="0"/>
+              <a:t>4.</a:t>
+            </a:r>
+            <a:r>
+              <a:rPr lang="zh-CN" altLang="en-US" sz="2000" dirty="0" smtClean="0"/>
+              <a:t>乱玩</a:t>
+            </a:r>
+            <a:r>
+              <a:rPr lang="en-US" altLang="zh-CN" sz="2000" dirty="0" smtClean="0"/>
+              <a:t>replace</a:t>
+            </a:r>
+            <a:r>
+              <a:rPr lang="zh-CN" altLang="en-US" sz="2000" dirty="0" smtClean="0"/>
+              <a:t>和</a:t>
+            </a:r>
+            <a:r>
+              <a:rPr lang="en-US" altLang="zh-CN" sz="2000" dirty="0" smtClean="0"/>
+              <a:t>erase</a:t>
+            </a:r>
+            <a:r>
+              <a:rPr lang="zh-CN" altLang="en-US" sz="2000" dirty="0" smtClean="0"/>
+              <a:t>会出事、、</a:t>
+            </a:r>
+            <a:endParaRPr lang="en-US" altLang="zh-CN" sz="2000" dirty="0" smtClean="0"/>
+          </a:p>
+        </p:txBody>
+      </p:sp>
+    </p:spTree>
+    <p:extLst>
+      <p:ext uri="{BB962C8B-B14F-4D97-AF65-F5344CB8AC3E}">
+        <p14:creationId xmlns:p14="http://schemas.microsoft.com/office/powerpoint/2010/main" val="3543156269"/>
+      </p:ext>
+    </p:extLst>
+  </p:cSld>
+  <p:clrMapOvr>
+    <a:masterClrMapping/>
+  </p:clrMapOvr>
+  <mc:AlternateContent xmlns:mc="http://schemas.openxmlformats.org/markup-compatibility/2006">
+    <mc:Choice xmlns:p14="http://schemas.microsoft.com/office/powerpoint/2010/main" Requires="p14">
+      <p:transition spd="slow" p14:dur="2000"/>
+    </mc:Choice>
+    <mc:Fallback>
+      <p:transition spd="slow"/>
+    </mc:Fallback>
+  </mc:AlternateContent>
+  <p:timing>
+    <p:tnLst>
+      <p:par>
+        <p:cTn id="1" dur="indefinite" restart="never" nodeType="tmRoot">
+          <p:childTnLst>
+            <p:seq concurrent="1" nextAc="seek">
+              <p:cTn id="2" dur="indefinite" nodeType="mainSeq">
+                <p:childTnLst>
+                  <p:par>
+                    <p:cTn id="3" fill="hold">
+                      <p:stCondLst>
+                        <p:cond delay="indefinite"/>
+                      </p:stCondLst>
+                      <p:childTnLst>
+                        <p:par>
+                          <p:cTn id="4" fill="hold">
+                            <p:stCondLst>
+                              <p:cond delay="0"/>
+                            </p:stCondLst>
+                            <p:childTnLst>
+                              <p:par>
+                                <p:cTn id="5" presetID="10" presetClass="entr" presetSubtype="0" fill="hold" grpId="0" nodeType="clickEffect">
+                                  <p:stCondLst>
+                                    <p:cond delay="0"/>
+                                  </p:stCondLst>
+                                  <p:childTnLst>
+                                    <p:set>
+                                      <p:cBhvr>
+                                        <p:cTn id="6" dur="1" fill="hold">
+                                          <p:stCondLst>
+                                            <p:cond delay="0"/>
+                                          </p:stCondLst>
+                                        </p:cTn>
+                                        <p:tgtEl>
+                                          <p:spTgt spid="6"/>
+                                        </p:tgtEl>
+                                        <p:attrNameLst>
+                                          <p:attrName>style.visibility</p:attrName>
+                                        </p:attrNameLst>
+                                      </p:cBhvr>
+                                      <p:to>
+                                        <p:strVal val="visible"/>
+                                      </p:to>
+                                    </p:set>
+                                    <p:animEffect transition="in" filter="fade">
+                                      <p:cBhvr>
+                                        <p:cTn id="7" dur="500"/>
+                                        <p:tgtEl>
+                                          <p:spTgt spid="6"/>
+                                        </p:tgtEl>
+                                      </p:cBhvr>
+                                    </p:animEffect>
+                                  </p:childTnLst>
+                                </p:cTn>
+                              </p:par>
+                            </p:childTnLst>
+                          </p:cTn>
+                        </p:par>
+                      </p:childTnLst>
+                    </p:cTn>
+                  </p:par>
+                </p:childTnLst>
+              </p:cTn>
+              <p:prevCondLst>
+                <p:cond evt="onPrev" delay="0">
+                  <p:tgtEl>
+                    <p:sldTgt/>
+                  </p:tgtEl>
+                </p:cond>
+              </p:prevCondLst>
+              <p:nextCondLst>
+                <p:cond evt="onNext" delay="0">
+                  <p:tgtEl>
+                    <p:sldTgt/>
+                  </p:tgtEl>
+                </p:cond>
+              </p:nextCondLst>
+            </p:seq>
+          </p:childTnLst>
+        </p:cTn>
+      </p:par>
+    </p:tnLst>
+    <p:bldLst>
+      <p:bldP spid="6" grpId="0"/>
+    </p:bldLst>
+  </p:timing>
+</p:sld>
+</file>
+
+<file path=ppt/slides/slide16.xml><?xml version="1.0" encoding="utf-8"?>
+<p:sld xmlns:a="http://schemas.openxmlformats.org/drawingml/2006/main" xmlns:r="http://schemas.openxmlformats.org/officeDocument/2006/relationships" xmlns:p="http://schemas.openxmlformats.org/presentationml/2006/main">
+  <p:cSld>
+    <p:spTree>
+      <p:nvGrpSpPr>
+        <p:cNvPr id="1" name=""/>
+        <p:cNvGrpSpPr/>
+        <p:nvPr/>
+      </p:nvGrpSpPr>
+      <p:grpSpPr>
+        <a:xfrm>
+          <a:off x="0" y="0"/>
+          <a:ext cx="0" cy="0"/>
+          <a:chOff x="0" y="0"/>
+          <a:chExt cx="0" cy="0"/>
+        </a:xfrm>
+      </p:grpSpPr>
+      <p:sp>
+        <p:nvSpPr>
+          <p:cNvPr id="2" name="标题 1"/>
+          <p:cNvSpPr>
+            <a:spLocks noGrp="1"/>
+          </p:cNvSpPr>
+          <p:nvPr>
+            <p:ph type="title"/>
+          </p:nvPr>
+        </p:nvSpPr>
+        <p:spPr>
+          <a:xfrm>
+            <a:off x="510746" y="0"/>
+            <a:ext cx="11681254" cy="1208868"/>
+          </a:xfrm>
+        </p:spPr>
+        <p:txBody>
+          <a:bodyPr/>
+          <a:lstStyle/>
+          <a:p>
+            <a:r>
+              <a:rPr lang="en-US" altLang="zh-CN" dirty="0"/>
+              <a:t>TEST6 </a:t>
+            </a:r>
+            <a:r>
+              <a:rPr lang="en-US" altLang="zh-CN" dirty="0" err="1" smtClean="0"/>
+              <a:t>fill_n</a:t>
+            </a:r>
+            <a:r>
+              <a:rPr lang="zh-CN" altLang="en-US" dirty="0" smtClean="0"/>
+              <a:t>函数</a:t>
+            </a:r>
+            <a:r>
+              <a:rPr lang="zh-CN" altLang="en-US" dirty="0"/>
+              <a:t>、</a:t>
+            </a:r>
+            <a:r>
+              <a:rPr lang="en-US" altLang="zh-CN" dirty="0" err="1"/>
+              <a:t>memset</a:t>
+            </a:r>
+            <a:r>
+              <a:rPr lang="zh-CN" altLang="en-US" dirty="0"/>
+              <a:t>函数、传统</a:t>
+            </a:r>
+            <a:r>
+              <a:rPr lang="en-US" altLang="zh-CN" dirty="0"/>
+              <a:t>for</a:t>
+            </a:r>
+            <a:r>
+              <a:rPr lang="zh-CN" altLang="en-US" dirty="0"/>
+              <a:t>赋值的对比</a:t>
+            </a:r>
+          </a:p>
+        </p:txBody>
+      </p:sp>
+      <p:sp>
+        <p:nvSpPr>
+          <p:cNvPr id="6" name="内容占位符 2"/>
+          <p:cNvSpPr txBox="1">
+            <a:spLocks/>
+          </p:cNvSpPr>
+          <p:nvPr/>
+        </p:nvSpPr>
+        <p:spPr>
+          <a:xfrm>
+            <a:off x="607541" y="2451701"/>
+            <a:ext cx="10398210" cy="3891434"/>
+          </a:xfrm>
+          <a:prstGeom prst="rect">
+            <a:avLst/>
+          </a:prstGeom>
+        </p:spPr>
+        <p:txBody>
+          <a:bodyPr vert="horz" lIns="91440" tIns="45720" rIns="91440" bIns="45720" rtlCol="0">
+            <a:noAutofit/>
+          </a:bodyPr>
+          <a:lstStyle>
+            <a:lvl1pPr marL="0" indent="0" algn="l" defTabSz="914400" rtl="0" eaLnBrk="1" latinLnBrk="0" hangingPunct="1">
+              <a:lnSpc>
+                <a:spcPct val="150000"/>
+              </a:lnSpc>
+              <a:spcBef>
+                <a:spcPct val="30000"/>
+              </a:spcBef>
+              <a:spcAft>
+                <a:spcPts val="1200"/>
+              </a:spcAft>
+              <a:buFont typeface="Arial" panose="020B0604020202020204" pitchFamily="34" charset="0"/>
+              <a:buNone/>
+              <a:defRPr lang="zh-CN" sz="1600" kern="1200">
+                <a:solidFill>
+                  <a:schemeClr val="bg1">
+                    <a:lumMod val="50000"/>
+                  </a:schemeClr>
+                </a:solidFill>
+                <a:latin typeface="Microsoft YaHei UI" panose="020B0503020204020204" pitchFamily="34" charset="-122"/>
+                <a:ea typeface="Microsoft YaHei UI" panose="020B0503020204020204" pitchFamily="34" charset="-122"/>
+                <a:cs typeface="+mn-cs"/>
+              </a:defRPr>
+            </a:lvl1pPr>
+            <a:lvl2pPr marL="685800" indent="-228600" algn="l" defTabSz="914400" rtl="0" eaLnBrk="1" latinLnBrk="0" hangingPunct="1">
+              <a:lnSpc>
+                <a:spcPct val="150000"/>
+              </a:lnSpc>
+              <a:spcBef>
+                <a:spcPct val="30000"/>
+              </a:spcBef>
+              <a:spcAft>
+                <a:spcPts val="1200"/>
+              </a:spcAft>
+              <a:buFont typeface="Arial" panose="020B0604020202020204" pitchFamily="34" charset="0"/>
+              <a:buChar char="•"/>
+              <a:defRPr lang="zh-CN" sz="1400" kern="1200">
+                <a:solidFill>
+                  <a:schemeClr val="bg1">
+                    <a:lumMod val="50000"/>
+                  </a:schemeClr>
+                </a:solidFill>
+                <a:latin typeface="Microsoft YaHei UI" panose="020B0503020204020204" pitchFamily="34" charset="-122"/>
+                <a:ea typeface="Microsoft YaHei UI" panose="020B0503020204020204" pitchFamily="34" charset="-122"/>
+                <a:cs typeface="+mn-cs"/>
+              </a:defRPr>
+            </a:lvl2pPr>
+            <a:lvl3pPr marL="1143000" indent="-228600" algn="l" defTabSz="914400" rtl="0" eaLnBrk="1" latinLnBrk="0" hangingPunct="1">
+              <a:lnSpc>
+                <a:spcPct val="150000"/>
+              </a:lnSpc>
+              <a:spcBef>
+                <a:spcPct val="30000"/>
+              </a:spcBef>
+              <a:spcAft>
+                <a:spcPts val="1200"/>
+              </a:spcAft>
+              <a:buFont typeface="Arial" panose="020B0604020202020204" pitchFamily="34" charset="0"/>
+              <a:buChar char="•"/>
+              <a:defRPr lang="zh-CN" sz="1200" kern="1200">
+                <a:solidFill>
+                  <a:schemeClr val="bg1">
+                    <a:lumMod val="50000"/>
+                  </a:schemeClr>
+                </a:solidFill>
+                <a:latin typeface="Microsoft YaHei UI" panose="020B0503020204020204" pitchFamily="34" charset="-122"/>
+                <a:ea typeface="Microsoft YaHei UI" panose="020B0503020204020204" pitchFamily="34" charset="-122"/>
+                <a:cs typeface="+mn-cs"/>
+              </a:defRPr>
+            </a:lvl3pPr>
+            <a:lvl4pPr marL="1600200" indent="-228600" algn="l" defTabSz="914400" rtl="0" eaLnBrk="1" latinLnBrk="0" hangingPunct="1">
+              <a:lnSpc>
+                <a:spcPct val="150000"/>
+              </a:lnSpc>
+              <a:spcBef>
+                <a:spcPct val="30000"/>
+              </a:spcBef>
+              <a:spcAft>
+                <a:spcPts val="1200"/>
+              </a:spcAft>
+              <a:buFont typeface="Arial" panose="020B0604020202020204" pitchFamily="34" charset="0"/>
+              <a:buChar char="•"/>
+              <a:defRPr lang="zh-CN" sz="1100" kern="1200">
+                <a:solidFill>
+                  <a:schemeClr val="bg1">
+                    <a:lumMod val="50000"/>
+                  </a:schemeClr>
+                </a:solidFill>
+                <a:latin typeface="Microsoft YaHei UI" panose="020B0503020204020204" pitchFamily="34" charset="-122"/>
+                <a:ea typeface="Microsoft YaHei UI" panose="020B0503020204020204" pitchFamily="34" charset="-122"/>
+                <a:cs typeface="+mn-cs"/>
+              </a:defRPr>
+            </a:lvl4pPr>
+            <a:lvl5pPr marL="2057400" indent="-228600" algn="l" defTabSz="914400" rtl="0" eaLnBrk="1" latinLnBrk="0" hangingPunct="1">
+              <a:lnSpc>
+                <a:spcPct val="150000"/>
+              </a:lnSpc>
+              <a:spcBef>
+                <a:spcPct val="30000"/>
+              </a:spcBef>
+              <a:spcAft>
+                <a:spcPts val="1200"/>
+              </a:spcAft>
+              <a:buFont typeface="Arial" panose="020B0604020202020204" pitchFamily="34" charset="0"/>
+              <a:buChar char="•"/>
+              <a:defRPr lang="zh-CN" sz="1100" kern="1200">
+                <a:solidFill>
+                  <a:schemeClr val="bg1">
+                    <a:lumMod val="50000"/>
+                  </a:schemeClr>
+                </a:solidFill>
+                <a:latin typeface="Microsoft YaHei UI" panose="020B0503020204020204" pitchFamily="34" charset="-122"/>
+                <a:ea typeface="Microsoft YaHei UI" panose="020B0503020204020204" pitchFamily="34" charset="-122"/>
+                <a:cs typeface="+mn-cs"/>
+              </a:defRPr>
+            </a:lvl5pPr>
+            <a:lvl6pPr marL="2514600" indent="-228600" algn="l" defTabSz="914400" rtl="0" eaLnBrk="1" latinLnBrk="0" hangingPunct="1">
+              <a:lnSpc>
+                <a:spcPct val="90000"/>
+              </a:lnSpc>
+              <a:spcBef>
+                <a:spcPct val="30000"/>
+              </a:spcBef>
+              <a:buFont typeface="Arial" panose="020B0604020202020204" pitchFamily="34" charset="0"/>
+              <a:buChar char="•"/>
+              <a:defRPr lang="zh-CN" sz="1800" kern="1200">
+                <a:solidFill>
+                  <a:schemeClr val="tx1"/>
+                </a:solidFill>
+                <a:latin typeface="+mn-lt"/>
+                <a:ea typeface="+mn-ea"/>
+                <a:cs typeface="+mn-cs"/>
+              </a:defRPr>
+            </a:lvl6pPr>
+            <a:lvl7pPr marL="2971800" indent="-228600" algn="l" defTabSz="914400" rtl="0" eaLnBrk="1" latinLnBrk="0" hangingPunct="1">
+              <a:lnSpc>
+                <a:spcPct val="90000"/>
+              </a:lnSpc>
+              <a:spcBef>
+                <a:spcPct val="30000"/>
+              </a:spcBef>
+              <a:buFont typeface="Arial" panose="020B0604020202020204" pitchFamily="34" charset="0"/>
+              <a:buChar char="•"/>
+              <a:defRPr lang="zh-CN" sz="1800" kern="1200">
+                <a:solidFill>
+                  <a:schemeClr val="tx1"/>
+                </a:solidFill>
+                <a:latin typeface="+mn-lt"/>
+                <a:ea typeface="+mn-ea"/>
+                <a:cs typeface="+mn-cs"/>
+              </a:defRPr>
+            </a:lvl7pPr>
+            <a:lvl8pPr marL="3429000" indent="-228600" algn="l" defTabSz="914400" rtl="0" eaLnBrk="1" latinLnBrk="0" hangingPunct="1">
+              <a:lnSpc>
+                <a:spcPct val="90000"/>
+              </a:lnSpc>
+              <a:spcBef>
+                <a:spcPct val="30000"/>
+              </a:spcBef>
+              <a:buFont typeface="Arial" panose="020B0604020202020204" pitchFamily="34" charset="0"/>
+              <a:buChar char="•"/>
+              <a:defRPr lang="zh-CN" sz="1800" kern="1200">
+                <a:solidFill>
+                  <a:schemeClr val="tx1"/>
+                </a:solidFill>
+                <a:latin typeface="+mn-lt"/>
+                <a:ea typeface="+mn-ea"/>
+                <a:cs typeface="+mn-cs"/>
+              </a:defRPr>
+            </a:lvl8pPr>
+            <a:lvl9pPr marL="3886200" indent="-228600" algn="l" defTabSz="914400" rtl="0" eaLnBrk="1" latinLnBrk="0" hangingPunct="1">
+              <a:lnSpc>
+                <a:spcPct val="90000"/>
+              </a:lnSpc>
+              <a:spcBef>
+                <a:spcPct val="30000"/>
+              </a:spcBef>
+              <a:buFont typeface="Arial" panose="020B0604020202020204" pitchFamily="34" charset="0"/>
+              <a:buChar char="•"/>
+              <a:defRPr lang="zh-CN" sz="1800" kern="1200">
+                <a:solidFill>
+                  <a:schemeClr val="tx1"/>
+                </a:solidFill>
+                <a:latin typeface="+mn-lt"/>
+                <a:ea typeface="+mn-ea"/>
+                <a:cs typeface="+mn-cs"/>
+              </a:defRPr>
+            </a:lvl9pPr>
+          </a:lstStyle>
+          <a:p>
+            <a:r>
+              <a:rPr lang="zh-CN" altLang="en-US" sz="2000" dirty="0" smtClean="0"/>
               <a:t>三种都是用来初始化数据的方法</a:t>
             </a:r>
             <a:endParaRPr lang="en-US" altLang="zh-CN" sz="2000" dirty="0" smtClean="0"/>
@@ -8649,7 +10502,7 @@
 </p:sld>
 </file>
 
-<file path=ppt/slides/slide15.xml><?xml version="1.0" encoding="utf-8"?>
+<file path=ppt/slides/slide17.xml><?xml version="1.0" encoding="utf-8"?>
 <p:sld xmlns:a="http://schemas.openxmlformats.org/drawingml/2006/main" xmlns:r="http://schemas.openxmlformats.org/officeDocument/2006/relationships" xmlns:p="http://schemas.openxmlformats.org/presentationml/2006/main">
   <p:cSld>
     <p:spTree>
@@ -9575,7 +11428,7 @@
 </p:sld>
 </file>
 
-<file path=ppt/slides/slide16.xml><?xml version="1.0" encoding="utf-8"?>
+<file path=ppt/slides/slide18.xml><?xml version="1.0" encoding="utf-8"?>
 <p:sld xmlns:a="http://schemas.openxmlformats.org/drawingml/2006/main" xmlns:r="http://schemas.openxmlformats.org/officeDocument/2006/relationships" xmlns:p="http://schemas.openxmlformats.org/presentationml/2006/main">
   <p:cSld>
     <p:spTree>
@@ -10630,7 +12483,7 @@
 </p:sld>
 </file>
 
-<file path=ppt/slides/slide17.xml><?xml version="1.0" encoding="utf-8"?>
+<file path=ppt/slides/slide19.xml><?xml version="1.0" encoding="utf-8"?>
 <p:sld xmlns:a="http://schemas.openxmlformats.org/drawingml/2006/main" xmlns:r="http://schemas.openxmlformats.org/officeDocument/2006/relationships" xmlns:p="http://schemas.openxmlformats.org/presentationml/2006/main">
   <p:cSld>
     <p:spTree>
@@ -11673,7 +13526,15 @@
             </a:r>
             <a:r>
               <a:rPr lang="zh-CN" altLang="en-US" sz="1400" dirty="0" smtClean="0"/>
-              <a:t>打星号的没时间做辣</a:t>
+              <a:t>打星号的</a:t>
+            </a:r>
+            <a:r>
+              <a:rPr lang="zh-CN" altLang="en-US" sz="1400" dirty="0" smtClean="0"/>
+              <a:t>没做</a:t>
+            </a:r>
+            <a:r>
+              <a:rPr lang="zh-CN" altLang="en-US" sz="1400" dirty="0" smtClean="0"/>
+              <a:t>辣</a:t>
             </a:r>
             <a:r>
               <a:rPr lang="en-US" altLang="zh-CN" sz="1400" dirty="0" smtClean="0"/>
@@ -11831,7 +13692,7 @@
             </a:r>
             <a:r>
               <a:rPr lang="en-US" altLang="zh-CN" dirty="0" smtClean="0"/>
-              <a:t>*map</a:t>
+              <a:t>map</a:t>
             </a:r>
             <a:endParaRPr lang="en-US" altLang="zh-CN" dirty="0"/>
           </a:p>
@@ -11850,8 +13711,13 @@
             </a:r>
             <a:r>
               <a:rPr lang="zh-CN" altLang="en-US" dirty="0"/>
-              <a:t>垃圾回收的时间测定</a:t>
-            </a:r>
+              <a:t>垃圾回收</a:t>
+            </a:r>
+            <a:r>
+              <a:rPr lang="zh-CN" altLang="en-US" dirty="0" smtClean="0"/>
+              <a:t>的实现思路（这专题没啥卵用）</a:t>
+            </a:r>
+            <a:endParaRPr lang="zh-CN" altLang="en-US" dirty="0"/>
           </a:p>
           <a:p>
             <a:r>
@@ -11875,9 +13741,18 @@
               <a:t>char string</a:t>
             </a:r>
             <a:r>
-              <a:rPr lang="zh-CN" altLang="en-US" dirty="0"/>
-              <a:t>的对比</a:t>
-            </a:r>
+              <a:rPr lang="zh-CN" altLang="en-US" dirty="0" smtClean="0"/>
+              <a:t>的</a:t>
+            </a:r>
+            <a:r>
+              <a:rPr lang="zh-CN" altLang="en-US"/>
+              <a:t>小</a:t>
+            </a:r>
+            <a:r>
+              <a:rPr lang="zh-CN" altLang="en-US" smtClean="0"/>
+              <a:t>细节（也没啥卵用）</a:t>
+            </a:r>
+            <a:endParaRPr lang="zh-CN" altLang="en-US" dirty="0"/>
           </a:p>
           <a:p>
             <a:r>
@@ -11917,10 +13792,6 @@
             <a:r>
               <a:rPr lang="en-US" altLang="zh-CN" dirty="0"/>
               <a:t>TEST7  </a:t>
-            </a:r>
-            <a:r>
-              <a:rPr lang="en-US" altLang="zh-CN" dirty="0" smtClean="0"/>
-              <a:t>*</a:t>
             </a:r>
             <a:r>
               <a:rPr lang="en-US" altLang="zh-CN" dirty="0" err="1" smtClean="0"/>
@@ -12238,7 +14109,11 @@
             </a:r>
             <a:r>
               <a:rPr lang="zh-CN" altLang="en-US" sz="2000" dirty="0" smtClean="0"/>
-              <a:t>中申请和释放内存的操作符（废话）</a:t>
+              <a:t>中在堆上申请</a:t>
+            </a:r>
+            <a:r>
+              <a:rPr lang="zh-CN" altLang="en-US" sz="2000" dirty="0" smtClean="0"/>
+              <a:t>和释放内存的操作符（废话）</a:t>
             </a:r>
             <a:endParaRPr lang="en-US" altLang="zh-CN" sz="2000" dirty="0" smtClean="0"/>
           </a:p>
